--- a/docs/images/figures03.pptx
+++ b/docs/images/figures03.pptx
@@ -6,6 +6,9 @@
   </p:sldMasterIdLst>
   <p:sldIdLst>
     <p:sldId id="270" r:id="rId2"/>
+    <p:sldId id="2076138617" r:id="rId3"/>
+    <p:sldId id="2076138618" r:id="rId4"/>
+    <p:sldId id="2076138619" r:id="rId5"/>
   </p:sldIdLst>
   <p:sldSz cx="12192000" cy="6858000"/>
   <p:notesSz cx="6858000" cy="9144000"/>
@@ -802,6 +805,247 @@
 </p:sldLayout>
 </file>
 
+<file path=ppt/slideLayouts/slideLayout12.xml><?xml version="1.0" encoding="utf-8"?>
+<p:sldLayout xmlns:a="http://schemas.openxmlformats.org/drawingml/2006/main" xmlns:r="http://schemas.openxmlformats.org/officeDocument/2006/relationships" xmlns:p="http://schemas.openxmlformats.org/presentationml/2006/main">
+  <p:cSld name="Title &amp; 2-color Non-bulleted text">
+    <p:spTree>
+      <p:nvGrpSpPr>
+        <p:cNvPr id="1" name=""/>
+        <p:cNvGrpSpPr/>
+        <p:nvPr/>
+      </p:nvGrpSpPr>
+      <p:grpSpPr>
+        <a:xfrm>
+          <a:off x="0" y="0"/>
+          <a:ext cx="0" cy="0"/>
+          <a:chOff x="0" y="0"/>
+          <a:chExt cx="0" cy="0"/>
+        </a:xfrm>
+      </p:grpSpPr>
+      <p:sp>
+        <p:nvSpPr>
+          <p:cNvPr id="2" name="Title 1"/>
+          <p:cNvSpPr>
+            <a:spLocks noGrp="1"/>
+          </p:cNvSpPr>
+          <p:nvPr>
+            <p:ph type="title"/>
+          </p:nvPr>
+        </p:nvSpPr>
+        <p:spPr/>
+        <p:txBody>
+          <a:bodyPr/>
+          <a:lstStyle/>
+          <a:p>
+            <a:r>
+              <a:rPr lang="ja-JP" altLang="en-US" dirty="0"/>
+              <a:t>マスター タイトルの書式設定</a:t>
+            </a:r>
+            <a:endParaRPr lang="en-US" dirty="0"/>
+          </a:p>
+        </p:txBody>
+      </p:sp>
+      <p:sp>
+        <p:nvSpPr>
+          <p:cNvPr id="6" name="Text Placeholder 5"/>
+          <p:cNvSpPr>
+            <a:spLocks noGrp="1"/>
+          </p:cNvSpPr>
+          <p:nvPr>
+            <p:ph type="body" sz="quarter" idx="10"/>
+          </p:nvPr>
+        </p:nvSpPr>
+        <p:spPr>
+          <a:xfrm>
+            <a:off x="269240" y="1189178"/>
+            <a:ext cx="11653523" cy="1985641"/>
+          </a:xfrm>
+        </p:spPr>
+        <p:txBody>
+          <a:bodyPr/>
+          <a:lstStyle>
+            <a:lvl1pPr marL="0" indent="0">
+              <a:buNone/>
+              <a:defRPr>
+                <a:solidFill>
+                  <a:schemeClr val="tx2"/>
+                </a:solidFill>
+              </a:defRPr>
+            </a:lvl1pPr>
+            <a:lvl2pPr marL="0" indent="0">
+              <a:buFontTx/>
+              <a:buNone/>
+              <a:defRPr sz="2353">
+                <a:solidFill>
+                  <a:schemeClr val="tx2"/>
+                </a:solidFill>
+              </a:defRPr>
+            </a:lvl2pPr>
+            <a:lvl3pPr marL="224054" indent="0">
+              <a:buNone/>
+              <a:defRPr sz="1961">
+                <a:solidFill>
+                  <a:schemeClr val="tx2"/>
+                </a:solidFill>
+              </a:defRPr>
+            </a:lvl3pPr>
+            <a:lvl4pPr marL="448107" indent="0">
+              <a:buNone/>
+              <a:defRPr sz="1765">
+                <a:solidFill>
+                  <a:schemeClr val="tx2"/>
+                </a:solidFill>
+              </a:defRPr>
+            </a:lvl4pPr>
+            <a:lvl5pPr marL="672161" indent="0">
+              <a:buNone/>
+              <a:defRPr sz="1568">
+                <a:solidFill>
+                  <a:schemeClr val="tx2"/>
+                </a:solidFill>
+              </a:defRPr>
+            </a:lvl5pPr>
+          </a:lstStyle>
+          <a:p>
+            <a:pPr lvl="0"/>
+            <a:r>
+              <a:rPr lang="ja-JP" altLang="en-US" dirty="0"/>
+              <a:t>マスター テキストの書式設定</a:t>
+            </a:r>
+          </a:p>
+          <a:p>
+            <a:pPr lvl="1"/>
+            <a:r>
+              <a:rPr lang="ja-JP" altLang="en-US" dirty="0"/>
+              <a:t>第 </a:t>
+            </a:r>
+            <a:r>
+              <a:rPr lang="en-US" altLang="ja-JP" dirty="0"/>
+              <a:t>2 </a:t>
+            </a:r>
+            <a:r>
+              <a:rPr lang="ja-JP" altLang="en-US" dirty="0"/>
+              <a:t>レベル</a:t>
+            </a:r>
+          </a:p>
+          <a:p>
+            <a:pPr lvl="2"/>
+            <a:r>
+              <a:rPr lang="ja-JP" altLang="en-US" dirty="0"/>
+              <a:t>第 </a:t>
+            </a:r>
+            <a:r>
+              <a:rPr lang="en-US" altLang="ja-JP" dirty="0"/>
+              <a:t>3 </a:t>
+            </a:r>
+            <a:r>
+              <a:rPr lang="ja-JP" altLang="en-US" dirty="0"/>
+              <a:t>レベル</a:t>
+            </a:r>
+          </a:p>
+          <a:p>
+            <a:pPr lvl="3"/>
+            <a:r>
+              <a:rPr lang="ja-JP" altLang="en-US" dirty="0"/>
+              <a:t>第 </a:t>
+            </a:r>
+            <a:r>
+              <a:rPr lang="en-US" altLang="ja-JP" dirty="0"/>
+              <a:t>4 </a:t>
+            </a:r>
+            <a:r>
+              <a:rPr lang="ja-JP" altLang="en-US" dirty="0"/>
+              <a:t>レベル</a:t>
+            </a:r>
+          </a:p>
+          <a:p>
+            <a:pPr lvl="4"/>
+            <a:r>
+              <a:rPr lang="ja-JP" altLang="en-US" dirty="0"/>
+              <a:t>第 </a:t>
+            </a:r>
+            <a:r>
+              <a:rPr lang="en-US" altLang="ja-JP" dirty="0"/>
+              <a:t>5 </a:t>
+            </a:r>
+            <a:r>
+              <a:rPr lang="ja-JP" altLang="en-US" dirty="0"/>
+              <a:t>レベル</a:t>
+            </a:r>
+            <a:endParaRPr lang="en-US" dirty="0"/>
+          </a:p>
+        </p:txBody>
+      </p:sp>
+      <p:sp>
+        <p:nvSpPr>
+          <p:cNvPr id="4" name="スライド番号プレースホルダー 2"/>
+          <p:cNvSpPr>
+            <a:spLocks noGrp="1"/>
+          </p:cNvSpPr>
+          <p:nvPr>
+            <p:ph type="sldNum" sz="quarter" idx="4"/>
+          </p:nvPr>
+        </p:nvSpPr>
+        <p:spPr>
+          <a:xfrm>
+            <a:off x="9413846" y="6464907"/>
+            <a:ext cx="2742188" cy="364224"/>
+          </a:xfrm>
+          <a:prstGeom prst="rect">
+            <a:avLst/>
+          </a:prstGeom>
+        </p:spPr>
+        <p:txBody>
+          <a:bodyPr vert="horz" lIns="91440" tIns="45720" rIns="91440" bIns="45720" rtlCol="0" anchor="ctr"/>
+          <a:lstStyle>
+            <a:lvl1pPr algn="r">
+              <a:defRPr sz="1175">
+                <a:solidFill>
+                  <a:schemeClr val="tx1">
+                    <a:tint val="75000"/>
+                  </a:schemeClr>
+                </a:solidFill>
+              </a:defRPr>
+            </a:lvl1pPr>
+          </a:lstStyle>
+          <a:p>
+            <a:fld id="{B096BA3A-7840-470E-A799-24933E851897}" type="slidenum">
+              <a:rPr lang="ja-JP" altLang="en-US" smtClean="0">
+                <a:solidFill>
+                  <a:srgbClr val="505050">
+                    <a:tint val="75000"/>
+                  </a:srgbClr>
+                </a:solidFill>
+              </a:rPr>
+              <a:pPr/>
+              <a:t>‹#›</a:t>
+            </a:fld>
+            <a:endParaRPr lang="ja-JP" altLang="en-US">
+              <a:solidFill>
+                <a:srgbClr val="505050">
+                  <a:tint val="75000"/>
+                </a:srgbClr>
+              </a:solidFill>
+            </a:endParaRPr>
+          </a:p>
+        </p:txBody>
+      </p:sp>
+    </p:spTree>
+    <p:extLst>
+      <p:ext uri="{BB962C8B-B14F-4D97-AF65-F5344CB8AC3E}">
+        <p14:creationId xmlns:p14="http://schemas.microsoft.com/office/powerpoint/2010/main" val="2553114666"/>
+      </p:ext>
+    </p:extLst>
+  </p:cSld>
+  <p:clrMapOvr>
+    <a:masterClrMapping/>
+  </p:clrMapOvr>
+  <p:transition>
+    <p:fade/>
+  </p:transition>
+</p:sldLayout>
+</file>
+
 <file path=ppt/slideLayouts/slideLayout2.xml><?xml version="1.0" encoding="utf-8"?>
 <p:sldLayout xmlns:a="http://schemas.openxmlformats.org/drawingml/2006/main" xmlns:r="http://schemas.openxmlformats.org/officeDocument/2006/relationships" xmlns:p="http://schemas.openxmlformats.org/presentationml/2006/main" type="obj" preserve="1">
   <p:cSld name="タイトルとコンテンツ">
@@ -3313,6 +3557,7 @@
     <p:sldLayoutId id="2147483657" r:id="rId9"/>
     <p:sldLayoutId id="2147483658" r:id="rId10"/>
     <p:sldLayoutId id="2147483659" r:id="rId11"/>
+    <p:sldLayoutId id="2147483660" r:id="rId12"/>
   </p:sldLayoutIdLst>
   <p:txStyles>
     <p:titleStyle>
@@ -3676,6 +3921,3576 @@
     <p:extLst>
       <p:ext uri="{BB962C8B-B14F-4D97-AF65-F5344CB8AC3E}">
         <p14:creationId xmlns:p14="http://schemas.microsoft.com/office/powerpoint/2010/main" val="2875995149"/>
+      </p:ext>
+    </p:extLst>
+  </p:cSld>
+  <p:clrMapOvr>
+    <a:masterClrMapping/>
+  </p:clrMapOvr>
+</p:sld>
+</file>
+
+<file path=ppt/slides/slide2.xml><?xml version="1.0" encoding="utf-8"?>
+<p:sld xmlns:a="http://schemas.openxmlformats.org/drawingml/2006/main" xmlns:r="http://schemas.openxmlformats.org/officeDocument/2006/relationships" xmlns:p="http://schemas.openxmlformats.org/presentationml/2006/main">
+  <p:cSld>
+    <p:spTree>
+      <p:nvGrpSpPr>
+        <p:cNvPr id="1" name=""/>
+        <p:cNvGrpSpPr/>
+        <p:nvPr/>
+      </p:nvGrpSpPr>
+      <p:grpSpPr>
+        <a:xfrm>
+          <a:off x="0" y="0"/>
+          <a:ext cx="0" cy="0"/>
+          <a:chOff x="0" y="0"/>
+          <a:chExt cx="0" cy="0"/>
+        </a:xfrm>
+      </p:grpSpPr>
+      <p:sp>
+        <p:nvSpPr>
+          <p:cNvPr id="4" name="スライド番号プレースホルダー 3">
+            <a:extLst>
+              <a:ext uri="{FF2B5EF4-FFF2-40B4-BE49-F238E27FC236}">
+                <a16:creationId xmlns:a16="http://schemas.microsoft.com/office/drawing/2014/main" id="{19ECAF8A-60E5-A64A-8E95-C927FC19B6C3}"/>
+              </a:ext>
+            </a:extLst>
+          </p:cNvPr>
+          <p:cNvSpPr>
+            <a:spLocks noGrp="1"/>
+          </p:cNvSpPr>
+          <p:nvPr>
+            <p:ph type="sldNum" sz="quarter" idx="12"/>
+          </p:nvPr>
+        </p:nvSpPr>
+        <p:spPr/>
+        <p:txBody>
+          <a:bodyPr/>
+          <a:lstStyle/>
+          <a:p>
+            <a:fld id="{B096BA3A-7840-470E-A799-24933E851897}" type="slidenum">
+              <a:rPr lang="ja-JP" altLang="en-US" smtClean="0">
+                <a:solidFill>
+                  <a:srgbClr val="505050">
+                    <a:tint val="75000"/>
+                  </a:srgbClr>
+                </a:solidFill>
+              </a:rPr>
+              <a:pPr/>
+              <a:t>2</a:t>
+            </a:fld>
+            <a:endParaRPr lang="ja-JP" altLang="en-US">
+              <a:solidFill>
+                <a:srgbClr val="505050">
+                  <a:tint val="75000"/>
+                </a:srgbClr>
+              </a:solidFill>
+            </a:endParaRPr>
+          </a:p>
+        </p:txBody>
+      </p:sp>
+      <p:sp>
+        <p:nvSpPr>
+          <p:cNvPr id="60" name="角丸四角形 59">
+            <a:extLst>
+              <a:ext uri="{FF2B5EF4-FFF2-40B4-BE49-F238E27FC236}">
+                <a16:creationId xmlns:a16="http://schemas.microsoft.com/office/drawing/2014/main" id="{6D7D162C-42A7-6348-AE68-132B524E47D7}"/>
+              </a:ext>
+            </a:extLst>
+          </p:cNvPr>
+          <p:cNvSpPr/>
+          <p:nvPr/>
+        </p:nvSpPr>
+        <p:spPr bwMode="auto">
+          <a:xfrm>
+            <a:off x="5854121" y="173084"/>
+            <a:ext cx="5465280" cy="499042"/>
+          </a:xfrm>
+          <a:prstGeom prst="roundRect">
+            <a:avLst/>
+          </a:prstGeom>
+          <a:ln>
+            <a:headEnd type="none" w="med" len="med"/>
+            <a:tailEnd type="none" w="med" len="med"/>
+          </a:ln>
+        </p:spPr>
+        <p:style>
+          <a:lnRef idx="1">
+            <a:schemeClr val="accent3"/>
+          </a:lnRef>
+          <a:fillRef idx="2">
+            <a:schemeClr val="accent3"/>
+          </a:fillRef>
+          <a:effectRef idx="1">
+            <a:schemeClr val="accent3"/>
+          </a:effectRef>
+          <a:fontRef idx="minor">
+            <a:schemeClr val="dk1"/>
+          </a:fontRef>
+        </p:style>
+        <p:txBody>
+          <a:bodyPr rot="0" spcFirstLastPara="0" vertOverflow="overflow" horzOverflow="overflow" vert="horz" wrap="square" lIns="179285" tIns="143428" rIns="179285" bIns="143428" numCol="1" spcCol="0" rtlCol="0" fromWordArt="0" anchor="ctr" anchorCtr="0" forceAA="0" compatLnSpc="1">
+            <a:prstTxWarp prst="textNoShape">
+              <a:avLst/>
+            </a:prstTxWarp>
+            <a:noAutofit/>
+          </a:bodyPr>
+          <a:lstStyle/>
+          <a:p>
+            <a:pPr algn="ctr" defTabSz="914102" fontAlgn="base">
+              <a:lnSpc>
+                <a:spcPct val="90000"/>
+              </a:lnSpc>
+              <a:spcBef>
+                <a:spcPct val="0"/>
+              </a:spcBef>
+              <a:spcAft>
+                <a:spcPct val="0"/>
+              </a:spcAft>
+            </a:pPr>
+            <a:r>
+              <a:rPr lang="en-US" altLang="ja-JP" sz="1372" dirty="0">
+                <a:solidFill>
+                  <a:schemeClr val="tx2"/>
+                </a:solidFill>
+                <a:cs typeface="Segoe UI" pitchFamily="34" charset="0"/>
+              </a:rPr>
+              <a:t>API</a:t>
+            </a:r>
+            <a:r>
+              <a:rPr lang="ja-JP" altLang="en-US" sz="1372">
+                <a:solidFill>
+                  <a:schemeClr val="tx2"/>
+                </a:solidFill>
+                <a:cs typeface="Segoe UI" pitchFamily="34" charset="0"/>
+              </a:rPr>
+              <a:t> 仕様の合意</a:t>
+            </a:r>
+            <a:endParaRPr lang="en-US" altLang="ja-JP" sz="1372" dirty="0">
+              <a:solidFill>
+                <a:schemeClr val="tx2"/>
+              </a:solidFill>
+              <a:cs typeface="Segoe UI" pitchFamily="34" charset="0"/>
+            </a:endParaRPr>
+          </a:p>
+        </p:txBody>
+      </p:sp>
+      <p:sp>
+        <p:nvSpPr>
+          <p:cNvPr id="61" name="角丸四角形 60">
+            <a:extLst>
+              <a:ext uri="{FF2B5EF4-FFF2-40B4-BE49-F238E27FC236}">
+                <a16:creationId xmlns:a16="http://schemas.microsoft.com/office/drawing/2014/main" id="{F4B8572F-475F-DB4D-86F2-28E80A7F887E}"/>
+              </a:ext>
+            </a:extLst>
+          </p:cNvPr>
+          <p:cNvSpPr/>
+          <p:nvPr/>
+        </p:nvSpPr>
+        <p:spPr bwMode="auto">
+          <a:xfrm>
+            <a:off x="5854121" y="2491245"/>
+            <a:ext cx="2534382" cy="499042"/>
+          </a:xfrm>
+          <a:prstGeom prst="roundRect">
+            <a:avLst/>
+          </a:prstGeom>
+          <a:ln>
+            <a:headEnd type="none" w="med" len="med"/>
+            <a:tailEnd type="none" w="med" len="med"/>
+          </a:ln>
+        </p:spPr>
+        <p:style>
+          <a:lnRef idx="1">
+            <a:schemeClr val="accent6"/>
+          </a:lnRef>
+          <a:fillRef idx="2">
+            <a:schemeClr val="accent6"/>
+          </a:fillRef>
+          <a:effectRef idx="1">
+            <a:schemeClr val="accent6"/>
+          </a:effectRef>
+          <a:fontRef idx="minor">
+            <a:schemeClr val="dk1"/>
+          </a:fontRef>
+        </p:style>
+        <p:txBody>
+          <a:bodyPr rot="0" spcFirstLastPara="0" vertOverflow="overflow" horzOverflow="overflow" vert="horz" wrap="none" lIns="179285" tIns="143428" rIns="179285" bIns="143428" numCol="1" spcCol="0" rtlCol="0" fromWordArt="0" anchor="ctr" anchorCtr="0" forceAA="0" compatLnSpc="1">
+            <a:prstTxWarp prst="textNoShape">
+              <a:avLst/>
+            </a:prstTxWarp>
+            <a:noAutofit/>
+          </a:bodyPr>
+          <a:lstStyle/>
+          <a:p>
+            <a:pPr algn="ctr" defTabSz="914102" fontAlgn="base">
+              <a:lnSpc>
+                <a:spcPct val="90000"/>
+              </a:lnSpc>
+              <a:spcBef>
+                <a:spcPct val="0"/>
+              </a:spcBef>
+              <a:spcAft>
+                <a:spcPct val="0"/>
+              </a:spcAft>
+            </a:pPr>
+            <a:r>
+              <a:rPr lang="ja-JP" altLang="en-US" sz="1372">
+                <a:solidFill>
+                  <a:schemeClr val="tx2"/>
+                </a:solidFill>
+                <a:cs typeface="Segoe UI" pitchFamily="34" charset="0"/>
+              </a:rPr>
+              <a:t>カスタムコネクタの作成とテスト</a:t>
+            </a:r>
+            <a:endParaRPr lang="en-US" altLang="ja-JP" sz="1372" dirty="0">
+              <a:solidFill>
+                <a:schemeClr val="tx2"/>
+              </a:solidFill>
+              <a:cs typeface="Segoe UI" pitchFamily="34" charset="0"/>
+            </a:endParaRPr>
+          </a:p>
+        </p:txBody>
+      </p:sp>
+      <p:sp>
+        <p:nvSpPr>
+          <p:cNvPr id="62" name="角丸四角形 61">
+            <a:extLst>
+              <a:ext uri="{FF2B5EF4-FFF2-40B4-BE49-F238E27FC236}">
+                <a16:creationId xmlns:a16="http://schemas.microsoft.com/office/drawing/2014/main" id="{3A22A373-9B69-774A-9327-E7F9AAEF1540}"/>
+              </a:ext>
+            </a:extLst>
+          </p:cNvPr>
+          <p:cNvSpPr/>
+          <p:nvPr/>
+        </p:nvSpPr>
+        <p:spPr bwMode="auto">
+          <a:xfrm>
+            <a:off x="8785019" y="975040"/>
+            <a:ext cx="2534382" cy="499042"/>
+          </a:xfrm>
+          <a:prstGeom prst="roundRect">
+            <a:avLst/>
+          </a:prstGeom>
+          <a:ln>
+            <a:headEnd type="none" w="med" len="med"/>
+            <a:tailEnd type="none" w="med" len="med"/>
+          </a:ln>
+        </p:spPr>
+        <p:style>
+          <a:lnRef idx="1">
+            <a:schemeClr val="accent1"/>
+          </a:lnRef>
+          <a:fillRef idx="2">
+            <a:schemeClr val="accent1"/>
+          </a:fillRef>
+          <a:effectRef idx="1">
+            <a:schemeClr val="accent1"/>
+          </a:effectRef>
+          <a:fontRef idx="minor">
+            <a:schemeClr val="dk1"/>
+          </a:fontRef>
+        </p:style>
+        <p:txBody>
+          <a:bodyPr rot="0" spcFirstLastPara="0" vertOverflow="overflow" horzOverflow="overflow" vert="horz" wrap="square" lIns="179285" tIns="143428" rIns="179285" bIns="143428" numCol="1" spcCol="0" rtlCol="0" fromWordArt="0" anchor="ctr" anchorCtr="0" forceAA="0" compatLnSpc="1">
+            <a:prstTxWarp prst="textNoShape">
+              <a:avLst/>
+            </a:prstTxWarp>
+            <a:noAutofit/>
+          </a:bodyPr>
+          <a:lstStyle/>
+          <a:p>
+            <a:pPr algn="ctr" defTabSz="914102" fontAlgn="base">
+              <a:lnSpc>
+                <a:spcPct val="90000"/>
+              </a:lnSpc>
+              <a:spcBef>
+                <a:spcPct val="0"/>
+              </a:spcBef>
+              <a:spcAft>
+                <a:spcPct val="0"/>
+              </a:spcAft>
+            </a:pPr>
+            <a:r>
+              <a:rPr lang="en-US" altLang="ja-JP" sz="1372" dirty="0">
+                <a:solidFill>
+                  <a:schemeClr val="tx2"/>
+                </a:solidFill>
+                <a:cs typeface="Segoe UI" pitchFamily="34" charset="0"/>
+              </a:rPr>
+              <a:t>Open</a:t>
+            </a:r>
+            <a:r>
+              <a:rPr lang="ja-JP" altLang="en-US" sz="1372">
+                <a:solidFill>
+                  <a:schemeClr val="tx2"/>
+                </a:solidFill>
+                <a:cs typeface="Segoe UI" pitchFamily="34" charset="0"/>
+              </a:rPr>
+              <a:t>　</a:t>
+            </a:r>
+            <a:r>
+              <a:rPr lang="en-US" altLang="ja-JP" sz="1372" dirty="0">
+                <a:solidFill>
+                  <a:schemeClr val="tx2"/>
+                </a:solidFill>
+                <a:cs typeface="Segoe UI" pitchFamily="34" charset="0"/>
+              </a:rPr>
+              <a:t>API</a:t>
+            </a:r>
+            <a:r>
+              <a:rPr lang="ja-JP" altLang="en-US" sz="1372">
+                <a:solidFill>
+                  <a:schemeClr val="tx2"/>
+                </a:solidFill>
+                <a:cs typeface="Segoe UI" pitchFamily="34" charset="0"/>
+              </a:rPr>
+              <a:t>　仕様の作成</a:t>
+            </a:r>
+            <a:endParaRPr lang="en-US" altLang="ja-JP" sz="1372" dirty="0">
+              <a:solidFill>
+                <a:schemeClr val="tx2"/>
+              </a:solidFill>
+              <a:cs typeface="Segoe UI" pitchFamily="34" charset="0"/>
+            </a:endParaRPr>
+          </a:p>
+        </p:txBody>
+      </p:sp>
+      <p:sp>
+        <p:nvSpPr>
+          <p:cNvPr id="63" name="角丸四角形 62">
+            <a:extLst>
+              <a:ext uri="{FF2B5EF4-FFF2-40B4-BE49-F238E27FC236}">
+                <a16:creationId xmlns:a16="http://schemas.microsoft.com/office/drawing/2014/main" id="{E5087EBD-B444-2847-AA21-1543F22DC6B6}"/>
+              </a:ext>
+            </a:extLst>
+          </p:cNvPr>
+          <p:cNvSpPr/>
+          <p:nvPr/>
+        </p:nvSpPr>
+        <p:spPr bwMode="auto">
+          <a:xfrm>
+            <a:off x="8785019" y="1688256"/>
+            <a:ext cx="2534382" cy="499042"/>
+          </a:xfrm>
+          <a:prstGeom prst="roundRect">
+            <a:avLst/>
+          </a:prstGeom>
+          <a:ln>
+            <a:headEnd type="none" w="med" len="med"/>
+            <a:tailEnd type="none" w="med" len="med"/>
+          </a:ln>
+        </p:spPr>
+        <p:style>
+          <a:lnRef idx="1">
+            <a:schemeClr val="accent1"/>
+          </a:lnRef>
+          <a:fillRef idx="2">
+            <a:schemeClr val="accent1"/>
+          </a:fillRef>
+          <a:effectRef idx="1">
+            <a:schemeClr val="accent1"/>
+          </a:effectRef>
+          <a:fontRef idx="minor">
+            <a:schemeClr val="dk1"/>
+          </a:fontRef>
+        </p:style>
+        <p:txBody>
+          <a:bodyPr rot="0" spcFirstLastPara="0" vertOverflow="overflow" horzOverflow="overflow" vert="horz" wrap="square" lIns="179285" tIns="143428" rIns="179285" bIns="143428" numCol="1" spcCol="0" rtlCol="0" fromWordArt="0" anchor="ctr" anchorCtr="0" forceAA="0" compatLnSpc="1">
+            <a:prstTxWarp prst="textNoShape">
+              <a:avLst/>
+            </a:prstTxWarp>
+            <a:noAutofit/>
+          </a:bodyPr>
+          <a:lstStyle/>
+          <a:p>
+            <a:pPr algn="ctr" defTabSz="914102" fontAlgn="base">
+              <a:lnSpc>
+                <a:spcPct val="90000"/>
+              </a:lnSpc>
+              <a:spcBef>
+                <a:spcPct val="0"/>
+              </a:spcBef>
+              <a:spcAft>
+                <a:spcPct val="0"/>
+              </a:spcAft>
+            </a:pPr>
+            <a:r>
+              <a:rPr lang="en-US" altLang="ja-JP" sz="1372" dirty="0">
+                <a:solidFill>
+                  <a:schemeClr val="tx2"/>
+                </a:solidFill>
+                <a:cs typeface="Segoe UI" pitchFamily="34" charset="0"/>
+              </a:rPr>
+              <a:t>API</a:t>
+            </a:r>
+            <a:r>
+              <a:rPr lang="ja-JP" altLang="en-US" sz="1372">
+                <a:solidFill>
+                  <a:schemeClr val="tx2"/>
+                </a:solidFill>
+                <a:cs typeface="Segoe UI" pitchFamily="34" charset="0"/>
+              </a:rPr>
+              <a:t>　</a:t>
+            </a:r>
+            <a:r>
+              <a:rPr lang="en-US" altLang="ja-JP" sz="1372" dirty="0">
+                <a:solidFill>
+                  <a:schemeClr val="tx2"/>
+                </a:solidFill>
+                <a:cs typeface="Segoe UI" pitchFamily="34" charset="0"/>
+              </a:rPr>
+              <a:t>Management</a:t>
+            </a:r>
+            <a:r>
+              <a:rPr lang="ja-JP" altLang="en-US" sz="1372">
+                <a:solidFill>
+                  <a:schemeClr val="tx2"/>
+                </a:solidFill>
+                <a:cs typeface="Segoe UI" pitchFamily="34" charset="0"/>
+              </a:rPr>
+              <a:t>　の作成と </a:t>
+            </a:r>
+            <a:r>
+              <a:rPr lang="en-US" altLang="ja-JP" sz="1372" dirty="0">
+                <a:solidFill>
+                  <a:schemeClr val="tx2"/>
+                </a:solidFill>
+                <a:cs typeface="Segoe UI" pitchFamily="34" charset="0"/>
+              </a:rPr>
+              <a:t>API</a:t>
+            </a:r>
+            <a:r>
+              <a:rPr lang="ja-JP" altLang="en-US" sz="1372">
+                <a:solidFill>
+                  <a:schemeClr val="tx2"/>
+                </a:solidFill>
+                <a:cs typeface="Segoe UI" pitchFamily="34" charset="0"/>
+              </a:rPr>
+              <a:t>　定義の追加</a:t>
+            </a:r>
+            <a:endParaRPr lang="en-US" altLang="ja-JP" sz="1372" dirty="0">
+              <a:solidFill>
+                <a:schemeClr val="tx2"/>
+              </a:solidFill>
+              <a:cs typeface="Segoe UI" pitchFamily="34" charset="0"/>
+            </a:endParaRPr>
+          </a:p>
+        </p:txBody>
+      </p:sp>
+      <p:sp>
+        <p:nvSpPr>
+          <p:cNvPr id="64" name="角丸四角形 63">
+            <a:extLst>
+              <a:ext uri="{FF2B5EF4-FFF2-40B4-BE49-F238E27FC236}">
+                <a16:creationId xmlns:a16="http://schemas.microsoft.com/office/drawing/2014/main" id="{2E9AB83F-3FBE-5144-B9FD-4471D53C2A76}"/>
+              </a:ext>
+            </a:extLst>
+          </p:cNvPr>
+          <p:cNvSpPr/>
+          <p:nvPr/>
+        </p:nvSpPr>
+        <p:spPr bwMode="auto">
+          <a:xfrm>
+            <a:off x="8785019" y="2401473"/>
+            <a:ext cx="2534382" cy="499042"/>
+          </a:xfrm>
+          <a:prstGeom prst="roundRect">
+            <a:avLst/>
+          </a:prstGeom>
+          <a:ln>
+            <a:headEnd type="none" w="med" len="med"/>
+            <a:tailEnd type="none" w="med" len="med"/>
+          </a:ln>
+        </p:spPr>
+        <p:style>
+          <a:lnRef idx="1">
+            <a:schemeClr val="accent1"/>
+          </a:lnRef>
+          <a:fillRef idx="2">
+            <a:schemeClr val="accent1"/>
+          </a:fillRef>
+          <a:effectRef idx="1">
+            <a:schemeClr val="accent1"/>
+          </a:effectRef>
+          <a:fontRef idx="minor">
+            <a:schemeClr val="dk1"/>
+          </a:fontRef>
+        </p:style>
+        <p:txBody>
+          <a:bodyPr rot="0" spcFirstLastPara="0" vertOverflow="overflow" horzOverflow="overflow" vert="horz" wrap="square" lIns="179285" tIns="143428" rIns="179285" bIns="143428" numCol="1" spcCol="0" rtlCol="0" fromWordArt="0" anchor="ctr" anchorCtr="0" forceAA="0" compatLnSpc="1">
+            <a:prstTxWarp prst="textNoShape">
+              <a:avLst/>
+            </a:prstTxWarp>
+            <a:noAutofit/>
+          </a:bodyPr>
+          <a:lstStyle/>
+          <a:p>
+            <a:pPr algn="ctr" defTabSz="914102" fontAlgn="base">
+              <a:lnSpc>
+                <a:spcPct val="90000"/>
+              </a:lnSpc>
+              <a:spcBef>
+                <a:spcPct val="0"/>
+              </a:spcBef>
+              <a:spcAft>
+                <a:spcPct val="0"/>
+              </a:spcAft>
+            </a:pPr>
+            <a:r>
+              <a:rPr lang="ja-JP" altLang="en-US" sz="1372">
+                <a:solidFill>
+                  <a:schemeClr val="tx2"/>
+                </a:solidFill>
+                <a:cs typeface="Segoe UI" pitchFamily="34" charset="0"/>
+              </a:rPr>
+              <a:t>モック応答の動作確認</a:t>
+            </a:r>
+            <a:endParaRPr lang="en-US" altLang="ja-JP" sz="1372" dirty="0">
+              <a:solidFill>
+                <a:schemeClr val="tx2"/>
+              </a:solidFill>
+              <a:cs typeface="Segoe UI" pitchFamily="34" charset="0"/>
+            </a:endParaRPr>
+          </a:p>
+        </p:txBody>
+      </p:sp>
+      <p:sp>
+        <p:nvSpPr>
+          <p:cNvPr id="65" name="角丸四角形 64">
+            <a:extLst>
+              <a:ext uri="{FF2B5EF4-FFF2-40B4-BE49-F238E27FC236}">
+                <a16:creationId xmlns:a16="http://schemas.microsoft.com/office/drawing/2014/main" id="{022C3F77-C802-4543-83EA-183D9D2B7D8D}"/>
+              </a:ext>
+            </a:extLst>
+          </p:cNvPr>
+          <p:cNvSpPr/>
+          <p:nvPr/>
+        </p:nvSpPr>
+        <p:spPr bwMode="auto">
+          <a:xfrm>
+            <a:off x="8785019" y="3114689"/>
+            <a:ext cx="2534382" cy="499042"/>
+          </a:xfrm>
+          <a:prstGeom prst="roundRect">
+            <a:avLst/>
+          </a:prstGeom>
+          <a:ln>
+            <a:headEnd type="none" w="med" len="med"/>
+            <a:tailEnd type="none" w="med" len="med"/>
+          </a:ln>
+        </p:spPr>
+        <p:style>
+          <a:lnRef idx="1">
+            <a:schemeClr val="accent1"/>
+          </a:lnRef>
+          <a:fillRef idx="2">
+            <a:schemeClr val="accent1"/>
+          </a:fillRef>
+          <a:effectRef idx="1">
+            <a:schemeClr val="accent1"/>
+          </a:effectRef>
+          <a:fontRef idx="minor">
+            <a:schemeClr val="dk1"/>
+          </a:fontRef>
+        </p:style>
+        <p:txBody>
+          <a:bodyPr rot="0" spcFirstLastPara="0" vertOverflow="overflow" horzOverflow="overflow" vert="horz" wrap="square" lIns="179285" tIns="143428" rIns="179285" bIns="143428" numCol="1" spcCol="0" rtlCol="0" fromWordArt="0" anchor="ctr" anchorCtr="0" forceAA="0" compatLnSpc="1">
+            <a:prstTxWarp prst="textNoShape">
+              <a:avLst/>
+            </a:prstTxWarp>
+            <a:noAutofit/>
+          </a:bodyPr>
+          <a:lstStyle/>
+          <a:p>
+            <a:pPr algn="ctr" defTabSz="914102" fontAlgn="base">
+              <a:lnSpc>
+                <a:spcPct val="90000"/>
+              </a:lnSpc>
+              <a:spcBef>
+                <a:spcPct val="0"/>
+              </a:spcBef>
+              <a:spcAft>
+                <a:spcPct val="0"/>
+              </a:spcAft>
+            </a:pPr>
+            <a:r>
+              <a:rPr lang="ja-JP" altLang="en-US" sz="1372">
+                <a:solidFill>
+                  <a:schemeClr val="tx2"/>
+                </a:solidFill>
+                <a:cs typeface="Segoe UI" pitchFamily="34" charset="0"/>
+              </a:rPr>
+              <a:t>バックエンド </a:t>
+            </a:r>
+            <a:r>
+              <a:rPr lang="en-US" altLang="ja-JP" sz="1372" dirty="0">
+                <a:solidFill>
+                  <a:schemeClr val="tx2"/>
+                </a:solidFill>
+                <a:cs typeface="Segoe UI" pitchFamily="34" charset="0"/>
+              </a:rPr>
+              <a:t>API</a:t>
+            </a:r>
+            <a:r>
+              <a:rPr lang="ja-JP" altLang="en-US" sz="1372">
+                <a:solidFill>
+                  <a:schemeClr val="tx2"/>
+                </a:solidFill>
+                <a:cs typeface="Segoe UI" pitchFamily="34" charset="0"/>
+              </a:rPr>
+              <a:t> の実装</a:t>
+            </a:r>
+            <a:endParaRPr lang="en-US" altLang="ja-JP" sz="1372" dirty="0">
+              <a:solidFill>
+                <a:schemeClr val="tx2"/>
+              </a:solidFill>
+              <a:cs typeface="Segoe UI" pitchFamily="34" charset="0"/>
+            </a:endParaRPr>
+          </a:p>
+        </p:txBody>
+      </p:sp>
+      <p:sp>
+        <p:nvSpPr>
+          <p:cNvPr id="66" name="角丸四角形 65">
+            <a:extLst>
+              <a:ext uri="{FF2B5EF4-FFF2-40B4-BE49-F238E27FC236}">
+                <a16:creationId xmlns:a16="http://schemas.microsoft.com/office/drawing/2014/main" id="{C70A48A5-3B45-324D-8D6E-6DDE4587A6EB}"/>
+              </a:ext>
+            </a:extLst>
+          </p:cNvPr>
+          <p:cNvSpPr/>
+          <p:nvPr/>
+        </p:nvSpPr>
+        <p:spPr bwMode="auto">
+          <a:xfrm>
+            <a:off x="8785019" y="3827906"/>
+            <a:ext cx="2534382" cy="499042"/>
+          </a:xfrm>
+          <a:prstGeom prst="roundRect">
+            <a:avLst/>
+          </a:prstGeom>
+          <a:ln>
+            <a:headEnd type="none" w="med" len="med"/>
+            <a:tailEnd type="none" w="med" len="med"/>
+          </a:ln>
+        </p:spPr>
+        <p:style>
+          <a:lnRef idx="1">
+            <a:schemeClr val="accent1"/>
+          </a:lnRef>
+          <a:fillRef idx="2">
+            <a:schemeClr val="accent1"/>
+          </a:fillRef>
+          <a:effectRef idx="1">
+            <a:schemeClr val="accent1"/>
+          </a:effectRef>
+          <a:fontRef idx="minor">
+            <a:schemeClr val="dk1"/>
+          </a:fontRef>
+        </p:style>
+        <p:txBody>
+          <a:bodyPr rot="0" spcFirstLastPara="0" vertOverflow="overflow" horzOverflow="overflow" vert="horz" wrap="square" lIns="179285" tIns="143428" rIns="179285" bIns="143428" numCol="1" spcCol="0" rtlCol="0" fromWordArt="0" anchor="ctr" anchorCtr="0" forceAA="0" compatLnSpc="1">
+            <a:prstTxWarp prst="textNoShape">
+              <a:avLst/>
+            </a:prstTxWarp>
+            <a:noAutofit/>
+          </a:bodyPr>
+          <a:lstStyle/>
+          <a:p>
+            <a:pPr algn="ctr" defTabSz="914102" fontAlgn="base">
+              <a:lnSpc>
+                <a:spcPct val="90000"/>
+              </a:lnSpc>
+              <a:spcBef>
+                <a:spcPct val="0"/>
+              </a:spcBef>
+              <a:spcAft>
+                <a:spcPct val="0"/>
+              </a:spcAft>
+            </a:pPr>
+            <a:r>
+              <a:rPr lang="en-US" altLang="ja-JP" sz="1372" dirty="0">
+                <a:solidFill>
+                  <a:schemeClr val="tx2"/>
+                </a:solidFill>
+                <a:cs typeface="Segoe UI" pitchFamily="34" charset="0"/>
+              </a:rPr>
+              <a:t>API</a:t>
+            </a:r>
+            <a:r>
+              <a:rPr lang="ja-JP" altLang="en-US" sz="1372">
+                <a:solidFill>
+                  <a:schemeClr val="tx2"/>
+                </a:solidFill>
+                <a:cs typeface="Segoe UI" pitchFamily="34" charset="0"/>
+              </a:rPr>
+              <a:t> のリビジョン更新</a:t>
+            </a:r>
+            <a:endParaRPr lang="en-US" altLang="ja-JP" sz="1372" dirty="0">
+              <a:solidFill>
+                <a:schemeClr val="tx2"/>
+              </a:solidFill>
+              <a:cs typeface="Segoe UI" pitchFamily="34" charset="0"/>
+            </a:endParaRPr>
+          </a:p>
+          <a:p>
+            <a:pPr algn="ctr" defTabSz="914102" fontAlgn="base">
+              <a:lnSpc>
+                <a:spcPct val="90000"/>
+              </a:lnSpc>
+              <a:spcBef>
+                <a:spcPct val="0"/>
+              </a:spcBef>
+              <a:spcAft>
+                <a:spcPct val="0"/>
+              </a:spcAft>
+            </a:pPr>
+            <a:r>
+              <a:rPr lang="ja-JP" altLang="en-US" sz="1372">
+                <a:solidFill>
+                  <a:schemeClr val="tx2"/>
+                </a:solidFill>
+                <a:cs typeface="Segoe UI" pitchFamily="34" charset="0"/>
+              </a:rPr>
+              <a:t>（バージョン更新）</a:t>
+            </a:r>
+            <a:endParaRPr lang="en-US" altLang="ja-JP" sz="1372" dirty="0">
+              <a:solidFill>
+                <a:schemeClr val="tx2"/>
+              </a:solidFill>
+              <a:cs typeface="Segoe UI" pitchFamily="34" charset="0"/>
+            </a:endParaRPr>
+          </a:p>
+        </p:txBody>
+      </p:sp>
+      <p:sp>
+        <p:nvSpPr>
+          <p:cNvPr id="67" name="角丸四角形 66">
+            <a:extLst>
+              <a:ext uri="{FF2B5EF4-FFF2-40B4-BE49-F238E27FC236}">
+                <a16:creationId xmlns:a16="http://schemas.microsoft.com/office/drawing/2014/main" id="{2CEA12D2-3588-8847-B647-05DFD1CBB42C}"/>
+              </a:ext>
+            </a:extLst>
+          </p:cNvPr>
+          <p:cNvSpPr/>
+          <p:nvPr/>
+        </p:nvSpPr>
+        <p:spPr bwMode="auto">
+          <a:xfrm>
+            <a:off x="5860348" y="3214009"/>
+            <a:ext cx="2534382" cy="499042"/>
+          </a:xfrm>
+          <a:prstGeom prst="roundRect">
+            <a:avLst/>
+          </a:prstGeom>
+          <a:ln>
+            <a:headEnd type="none" w="med" len="med"/>
+            <a:tailEnd type="none" w="med" len="med"/>
+          </a:ln>
+        </p:spPr>
+        <p:style>
+          <a:lnRef idx="1">
+            <a:schemeClr val="accent6"/>
+          </a:lnRef>
+          <a:fillRef idx="2">
+            <a:schemeClr val="accent6"/>
+          </a:fillRef>
+          <a:effectRef idx="1">
+            <a:schemeClr val="accent6"/>
+          </a:effectRef>
+          <a:fontRef idx="minor">
+            <a:schemeClr val="dk1"/>
+          </a:fontRef>
+        </p:style>
+        <p:txBody>
+          <a:bodyPr rot="0" spcFirstLastPara="0" vertOverflow="overflow" horzOverflow="overflow" vert="horz" wrap="square" lIns="179285" tIns="143428" rIns="179285" bIns="143428" numCol="1" spcCol="0" rtlCol="0" fromWordArt="0" anchor="ctr" anchorCtr="0" forceAA="0" compatLnSpc="1">
+            <a:prstTxWarp prst="textNoShape">
+              <a:avLst/>
+            </a:prstTxWarp>
+            <a:noAutofit/>
+          </a:bodyPr>
+          <a:lstStyle/>
+          <a:p>
+            <a:pPr algn="ctr" defTabSz="914102" fontAlgn="base">
+              <a:lnSpc>
+                <a:spcPct val="90000"/>
+              </a:lnSpc>
+              <a:spcBef>
+                <a:spcPct val="0"/>
+              </a:spcBef>
+              <a:spcAft>
+                <a:spcPct val="0"/>
+              </a:spcAft>
+            </a:pPr>
+            <a:r>
+              <a:rPr lang="ja-JP" altLang="en-US" sz="1372">
+                <a:solidFill>
+                  <a:schemeClr val="tx2"/>
+                </a:solidFill>
+                <a:cs typeface="Segoe UI" pitchFamily="34" charset="0"/>
+              </a:rPr>
+              <a:t>キャンバスアプリの開発</a:t>
+            </a:r>
+            <a:endParaRPr lang="en-US" altLang="ja-JP" sz="1372" dirty="0">
+              <a:solidFill>
+                <a:schemeClr val="tx2"/>
+              </a:solidFill>
+              <a:cs typeface="Segoe UI" pitchFamily="34" charset="0"/>
+            </a:endParaRPr>
+          </a:p>
+        </p:txBody>
+      </p:sp>
+      <p:sp>
+        <p:nvSpPr>
+          <p:cNvPr id="68" name="角丸四角形 67">
+            <a:extLst>
+              <a:ext uri="{FF2B5EF4-FFF2-40B4-BE49-F238E27FC236}">
+                <a16:creationId xmlns:a16="http://schemas.microsoft.com/office/drawing/2014/main" id="{053E7E75-8AD3-1244-A1B7-6F88558521D8}"/>
+              </a:ext>
+            </a:extLst>
+          </p:cNvPr>
+          <p:cNvSpPr/>
+          <p:nvPr/>
+        </p:nvSpPr>
+        <p:spPr bwMode="auto">
+          <a:xfrm>
+            <a:off x="5860348" y="3936773"/>
+            <a:ext cx="2534382" cy="499042"/>
+          </a:xfrm>
+          <a:prstGeom prst="roundRect">
+            <a:avLst/>
+          </a:prstGeom>
+          <a:ln>
+            <a:headEnd type="none" w="med" len="med"/>
+            <a:tailEnd type="none" w="med" len="med"/>
+          </a:ln>
+        </p:spPr>
+        <p:style>
+          <a:lnRef idx="1">
+            <a:schemeClr val="accent6"/>
+          </a:lnRef>
+          <a:fillRef idx="2">
+            <a:schemeClr val="accent6"/>
+          </a:fillRef>
+          <a:effectRef idx="1">
+            <a:schemeClr val="accent6"/>
+          </a:effectRef>
+          <a:fontRef idx="minor">
+            <a:schemeClr val="dk1"/>
+          </a:fontRef>
+        </p:style>
+        <p:txBody>
+          <a:bodyPr rot="0" spcFirstLastPara="0" vertOverflow="overflow" horzOverflow="overflow" vert="horz" wrap="square" lIns="179285" tIns="143428" rIns="179285" bIns="143428" numCol="1" spcCol="0" rtlCol="0" fromWordArt="0" anchor="ctr" anchorCtr="0" forceAA="0" compatLnSpc="1">
+            <a:prstTxWarp prst="textNoShape">
+              <a:avLst/>
+            </a:prstTxWarp>
+            <a:noAutofit/>
+          </a:bodyPr>
+          <a:lstStyle/>
+          <a:p>
+            <a:pPr algn="ctr" defTabSz="914102" fontAlgn="base">
+              <a:lnSpc>
+                <a:spcPct val="90000"/>
+              </a:lnSpc>
+              <a:spcBef>
+                <a:spcPct val="0"/>
+              </a:spcBef>
+              <a:spcAft>
+                <a:spcPct val="0"/>
+              </a:spcAft>
+            </a:pPr>
+            <a:r>
+              <a:rPr lang="ja-JP" altLang="en-US" sz="1372">
+                <a:solidFill>
+                  <a:schemeClr val="tx2"/>
+                </a:solidFill>
+                <a:cs typeface="Segoe UI" pitchFamily="34" charset="0"/>
+              </a:rPr>
+              <a:t>正式版 </a:t>
+            </a:r>
+            <a:r>
+              <a:rPr lang="en-US" altLang="ja-JP" sz="1372" dirty="0">
+                <a:solidFill>
+                  <a:schemeClr val="tx2"/>
+                </a:solidFill>
+                <a:cs typeface="Segoe UI" pitchFamily="34" charset="0"/>
+              </a:rPr>
+              <a:t>API</a:t>
+            </a:r>
+            <a:r>
+              <a:rPr lang="ja-JP" altLang="en-US" sz="1372">
+                <a:solidFill>
+                  <a:schemeClr val="tx2"/>
+                </a:solidFill>
+                <a:cs typeface="Segoe UI" pitchFamily="34" charset="0"/>
+              </a:rPr>
+              <a:t> によるテスト</a:t>
+            </a:r>
+            <a:endParaRPr lang="en-US" altLang="ja-JP" sz="1372" dirty="0">
+              <a:solidFill>
+                <a:schemeClr val="tx2"/>
+              </a:solidFill>
+              <a:cs typeface="Segoe UI" pitchFamily="34" charset="0"/>
+            </a:endParaRPr>
+          </a:p>
+        </p:txBody>
+      </p:sp>
+      <p:sp>
+        <p:nvSpPr>
+          <p:cNvPr id="70" name="角丸四角形 69">
+            <a:extLst>
+              <a:ext uri="{FF2B5EF4-FFF2-40B4-BE49-F238E27FC236}">
+                <a16:creationId xmlns:a16="http://schemas.microsoft.com/office/drawing/2014/main" id="{2D1B7D0D-0E8C-AB4F-AB2D-B6FAA7B90D7E}"/>
+              </a:ext>
+            </a:extLst>
+          </p:cNvPr>
+          <p:cNvSpPr/>
+          <p:nvPr/>
+        </p:nvSpPr>
+        <p:spPr bwMode="auto">
+          <a:xfrm>
+            <a:off x="5850756" y="4640049"/>
+            <a:ext cx="2534382" cy="499042"/>
+          </a:xfrm>
+          <a:prstGeom prst="roundRect">
+            <a:avLst/>
+          </a:prstGeom>
+          <a:ln>
+            <a:headEnd type="none" w="med" len="med"/>
+            <a:tailEnd type="none" w="med" len="med"/>
+          </a:ln>
+        </p:spPr>
+        <p:style>
+          <a:lnRef idx="1">
+            <a:schemeClr val="accent6"/>
+          </a:lnRef>
+          <a:fillRef idx="2">
+            <a:schemeClr val="accent6"/>
+          </a:fillRef>
+          <a:effectRef idx="1">
+            <a:schemeClr val="accent6"/>
+          </a:effectRef>
+          <a:fontRef idx="minor">
+            <a:schemeClr val="dk1"/>
+          </a:fontRef>
+        </p:style>
+        <p:txBody>
+          <a:bodyPr rot="0" spcFirstLastPara="0" vertOverflow="overflow" horzOverflow="overflow" vert="horz" wrap="square" lIns="179285" tIns="143428" rIns="179285" bIns="143428" numCol="1" spcCol="0" rtlCol="0" fromWordArt="0" anchor="ctr" anchorCtr="0" forceAA="0" compatLnSpc="1">
+            <a:prstTxWarp prst="textNoShape">
+              <a:avLst/>
+            </a:prstTxWarp>
+            <a:noAutofit/>
+          </a:bodyPr>
+          <a:lstStyle/>
+          <a:p>
+            <a:pPr algn="ctr" defTabSz="914102" fontAlgn="base">
+              <a:lnSpc>
+                <a:spcPct val="90000"/>
+              </a:lnSpc>
+              <a:spcBef>
+                <a:spcPct val="0"/>
+              </a:spcBef>
+              <a:spcAft>
+                <a:spcPct val="0"/>
+              </a:spcAft>
+            </a:pPr>
+            <a:r>
+              <a:rPr lang="ja-JP" altLang="en-US" sz="1372">
+                <a:solidFill>
+                  <a:schemeClr val="tx2"/>
+                </a:solidFill>
+                <a:cs typeface="Segoe UI" pitchFamily="34" charset="0"/>
+              </a:rPr>
+              <a:t>ユーザーへ共有と利用</a:t>
+            </a:r>
+            <a:endParaRPr lang="en-US" altLang="ja-JP" sz="1372" dirty="0">
+              <a:solidFill>
+                <a:schemeClr val="tx2"/>
+              </a:solidFill>
+              <a:cs typeface="Segoe UI" pitchFamily="34" charset="0"/>
+            </a:endParaRPr>
+          </a:p>
+        </p:txBody>
+      </p:sp>
+      <p:cxnSp>
+        <p:nvCxnSpPr>
+          <p:cNvPr id="71" name="カギ線コネクタ 70">
+            <a:extLst>
+              <a:ext uri="{FF2B5EF4-FFF2-40B4-BE49-F238E27FC236}">
+                <a16:creationId xmlns:a16="http://schemas.microsoft.com/office/drawing/2014/main" id="{EB07B93D-3987-824A-B0FA-A34AA11C8A00}"/>
+              </a:ext>
+            </a:extLst>
+          </p:cNvPr>
+          <p:cNvCxnSpPr>
+            <a:cxnSpLocks/>
+            <a:stCxn id="62" idx="1"/>
+            <a:endCxn id="61" idx="0"/>
+          </p:cNvCxnSpPr>
+          <p:nvPr/>
+        </p:nvCxnSpPr>
+        <p:spPr>
+          <a:xfrm rot="10800000" flipV="1">
+            <a:off x="7121314" y="1224560"/>
+            <a:ext cx="1663706" cy="1266683"/>
+          </a:xfrm>
+          <a:prstGeom prst="bentConnector2">
+            <a:avLst/>
+          </a:prstGeom>
+          <a:ln w="28575" cap="flat" cmpd="sng" algn="ctr">
+            <a:solidFill>
+              <a:schemeClr val="dk1"/>
+            </a:solidFill>
+            <a:prstDash val="solid"/>
+            <a:round/>
+            <a:headEnd type="none" w="med" len="med"/>
+            <a:tailEnd type="arrow" w="med" len="med"/>
+          </a:ln>
+        </p:spPr>
+        <p:style>
+          <a:lnRef idx="0">
+            <a:scrgbClr r="0" g="0" b="0"/>
+          </a:lnRef>
+          <a:fillRef idx="0">
+            <a:scrgbClr r="0" g="0" b="0"/>
+          </a:fillRef>
+          <a:effectRef idx="0">
+            <a:scrgbClr r="0" g="0" b="0"/>
+          </a:effectRef>
+          <a:fontRef idx="minor">
+            <a:schemeClr val="tx1"/>
+          </a:fontRef>
+        </p:style>
+      </p:cxnSp>
+      <p:cxnSp>
+        <p:nvCxnSpPr>
+          <p:cNvPr id="72" name="カギ線コネクタ 71">
+            <a:extLst>
+              <a:ext uri="{FF2B5EF4-FFF2-40B4-BE49-F238E27FC236}">
+                <a16:creationId xmlns:a16="http://schemas.microsoft.com/office/drawing/2014/main" id="{D7BCF12C-BC27-9541-A264-0520B50215BD}"/>
+              </a:ext>
+            </a:extLst>
+          </p:cNvPr>
+          <p:cNvCxnSpPr>
+            <a:cxnSpLocks/>
+            <a:stCxn id="60" idx="2"/>
+            <a:endCxn id="62" idx="0"/>
+          </p:cNvCxnSpPr>
+          <p:nvPr/>
+        </p:nvCxnSpPr>
+        <p:spPr>
+          <a:xfrm rot="16200000" flipH="1">
+            <a:off x="9168030" y="90858"/>
+            <a:ext cx="302913" cy="1465449"/>
+          </a:xfrm>
+          <a:prstGeom prst="bentConnector3">
+            <a:avLst>
+              <a:gd name="adj1" fmla="val 50000"/>
+            </a:avLst>
+          </a:prstGeom>
+          <a:ln w="28575" cap="flat" cmpd="sng" algn="ctr">
+            <a:solidFill>
+              <a:schemeClr val="dk1"/>
+            </a:solidFill>
+            <a:prstDash val="solid"/>
+            <a:round/>
+            <a:headEnd type="none" w="med" len="med"/>
+            <a:tailEnd type="arrow" w="med" len="med"/>
+          </a:ln>
+        </p:spPr>
+        <p:style>
+          <a:lnRef idx="0">
+            <a:scrgbClr r="0" g="0" b="0"/>
+          </a:lnRef>
+          <a:fillRef idx="0">
+            <a:scrgbClr r="0" g="0" b="0"/>
+          </a:fillRef>
+          <a:effectRef idx="0">
+            <a:scrgbClr r="0" g="0" b="0"/>
+          </a:effectRef>
+          <a:fontRef idx="minor">
+            <a:schemeClr val="tx1"/>
+          </a:fontRef>
+        </p:style>
+      </p:cxnSp>
+      <p:cxnSp>
+        <p:nvCxnSpPr>
+          <p:cNvPr id="73" name="カギ線コネクタ 72">
+            <a:extLst>
+              <a:ext uri="{FF2B5EF4-FFF2-40B4-BE49-F238E27FC236}">
+                <a16:creationId xmlns:a16="http://schemas.microsoft.com/office/drawing/2014/main" id="{2D68C567-4C56-8147-AABC-12B314EB24C3}"/>
+              </a:ext>
+            </a:extLst>
+          </p:cNvPr>
+          <p:cNvCxnSpPr>
+            <a:cxnSpLocks/>
+            <a:stCxn id="64" idx="1"/>
+            <a:endCxn id="61" idx="3"/>
+          </p:cNvCxnSpPr>
+          <p:nvPr/>
+        </p:nvCxnSpPr>
+        <p:spPr>
+          <a:xfrm rot="10800000" flipV="1">
+            <a:off x="8388504" y="2650994"/>
+            <a:ext cx="396515" cy="89772"/>
+          </a:xfrm>
+          <a:prstGeom prst="bentConnector3">
+            <a:avLst>
+              <a:gd name="adj1" fmla="val 50000"/>
+            </a:avLst>
+          </a:prstGeom>
+          <a:ln w="28575" cap="flat" cmpd="sng" algn="ctr">
+            <a:solidFill>
+              <a:schemeClr val="dk1"/>
+            </a:solidFill>
+            <a:prstDash val="solid"/>
+            <a:round/>
+            <a:headEnd type="none" w="med" len="med"/>
+            <a:tailEnd type="arrow" w="med" len="med"/>
+          </a:ln>
+        </p:spPr>
+        <p:style>
+          <a:lnRef idx="0">
+            <a:scrgbClr r="0" g="0" b="0"/>
+          </a:lnRef>
+          <a:fillRef idx="0">
+            <a:scrgbClr r="0" g="0" b="0"/>
+          </a:fillRef>
+          <a:effectRef idx="0">
+            <a:scrgbClr r="0" g="0" b="0"/>
+          </a:effectRef>
+          <a:fontRef idx="minor">
+            <a:schemeClr val="tx1"/>
+          </a:fontRef>
+        </p:style>
+      </p:cxnSp>
+      <p:cxnSp>
+        <p:nvCxnSpPr>
+          <p:cNvPr id="74" name="カギ線コネクタ 73">
+            <a:extLst>
+              <a:ext uri="{FF2B5EF4-FFF2-40B4-BE49-F238E27FC236}">
+                <a16:creationId xmlns:a16="http://schemas.microsoft.com/office/drawing/2014/main" id="{E40505C5-FD6B-3749-96B1-B18AB8F77CA1}"/>
+              </a:ext>
+            </a:extLst>
+          </p:cNvPr>
+          <p:cNvCxnSpPr>
+            <a:cxnSpLocks/>
+          </p:cNvCxnSpPr>
+          <p:nvPr/>
+        </p:nvCxnSpPr>
+        <p:spPr>
+          <a:xfrm rot="5400000">
+            <a:off x="9930702" y="1595589"/>
+            <a:ext cx="243015" cy="12450"/>
+          </a:xfrm>
+          <a:prstGeom prst="bentConnector3">
+            <a:avLst>
+              <a:gd name="adj1" fmla="val 50000"/>
+            </a:avLst>
+          </a:prstGeom>
+          <a:ln w="28575" cap="flat" cmpd="sng" algn="ctr">
+            <a:solidFill>
+              <a:schemeClr val="dk1"/>
+            </a:solidFill>
+            <a:prstDash val="solid"/>
+            <a:round/>
+            <a:headEnd type="none" w="med" len="med"/>
+            <a:tailEnd type="arrow" w="med" len="med"/>
+          </a:ln>
+        </p:spPr>
+        <p:style>
+          <a:lnRef idx="0">
+            <a:scrgbClr r="0" g="0" b="0"/>
+          </a:lnRef>
+          <a:fillRef idx="0">
+            <a:scrgbClr r="0" g="0" b="0"/>
+          </a:fillRef>
+          <a:effectRef idx="0">
+            <a:scrgbClr r="0" g="0" b="0"/>
+          </a:effectRef>
+          <a:fontRef idx="minor">
+            <a:schemeClr val="tx1"/>
+          </a:fontRef>
+        </p:style>
+      </p:cxnSp>
+      <p:cxnSp>
+        <p:nvCxnSpPr>
+          <p:cNvPr id="75" name="カギ線コネクタ 74">
+            <a:extLst>
+              <a:ext uri="{FF2B5EF4-FFF2-40B4-BE49-F238E27FC236}">
+                <a16:creationId xmlns:a16="http://schemas.microsoft.com/office/drawing/2014/main" id="{9C76D0C3-5A4E-8B4D-B840-2E4C278437D5}"/>
+              </a:ext>
+            </a:extLst>
+          </p:cNvPr>
+          <p:cNvCxnSpPr>
+            <a:cxnSpLocks/>
+          </p:cNvCxnSpPr>
+          <p:nvPr/>
+        </p:nvCxnSpPr>
+        <p:spPr>
+          <a:xfrm rot="5400000">
+            <a:off x="9930702" y="2337646"/>
+            <a:ext cx="243015" cy="12450"/>
+          </a:xfrm>
+          <a:prstGeom prst="bentConnector3">
+            <a:avLst>
+              <a:gd name="adj1" fmla="val 50000"/>
+            </a:avLst>
+          </a:prstGeom>
+          <a:ln w="28575" cap="flat" cmpd="sng" algn="ctr">
+            <a:solidFill>
+              <a:schemeClr val="dk1"/>
+            </a:solidFill>
+            <a:prstDash val="solid"/>
+            <a:round/>
+            <a:headEnd type="none" w="med" len="med"/>
+            <a:tailEnd type="arrow" w="med" len="med"/>
+          </a:ln>
+        </p:spPr>
+        <p:style>
+          <a:lnRef idx="0">
+            <a:scrgbClr r="0" g="0" b="0"/>
+          </a:lnRef>
+          <a:fillRef idx="0">
+            <a:scrgbClr r="0" g="0" b="0"/>
+          </a:fillRef>
+          <a:effectRef idx="0">
+            <a:scrgbClr r="0" g="0" b="0"/>
+          </a:effectRef>
+          <a:fontRef idx="minor">
+            <a:schemeClr val="tx1"/>
+          </a:fontRef>
+        </p:style>
+      </p:cxnSp>
+      <p:cxnSp>
+        <p:nvCxnSpPr>
+          <p:cNvPr id="76" name="カギ線コネクタ 75">
+            <a:extLst>
+              <a:ext uri="{FF2B5EF4-FFF2-40B4-BE49-F238E27FC236}">
+                <a16:creationId xmlns:a16="http://schemas.microsoft.com/office/drawing/2014/main" id="{428EE490-9432-7346-B8C4-3A36B9BE4D7C}"/>
+              </a:ext>
+            </a:extLst>
+          </p:cNvPr>
+          <p:cNvCxnSpPr>
+            <a:cxnSpLocks/>
+          </p:cNvCxnSpPr>
+          <p:nvPr/>
+        </p:nvCxnSpPr>
+        <p:spPr>
+          <a:xfrm rot="5400000">
+            <a:off x="9959876" y="3050530"/>
+            <a:ext cx="184670" cy="12450"/>
+          </a:xfrm>
+          <a:prstGeom prst="bentConnector3">
+            <a:avLst>
+              <a:gd name="adj1" fmla="val 50000"/>
+            </a:avLst>
+          </a:prstGeom>
+          <a:ln w="28575" cap="flat" cmpd="sng" algn="ctr">
+            <a:solidFill>
+              <a:schemeClr val="dk1"/>
+            </a:solidFill>
+            <a:prstDash val="solid"/>
+            <a:round/>
+            <a:headEnd type="none" w="med" len="med"/>
+            <a:tailEnd type="arrow" w="med" len="med"/>
+          </a:ln>
+        </p:spPr>
+        <p:style>
+          <a:lnRef idx="0">
+            <a:scrgbClr r="0" g="0" b="0"/>
+          </a:lnRef>
+          <a:fillRef idx="0">
+            <a:scrgbClr r="0" g="0" b="0"/>
+          </a:fillRef>
+          <a:effectRef idx="0">
+            <a:scrgbClr r="0" g="0" b="0"/>
+          </a:effectRef>
+          <a:fontRef idx="minor">
+            <a:schemeClr val="tx1"/>
+          </a:fontRef>
+        </p:style>
+      </p:cxnSp>
+      <p:cxnSp>
+        <p:nvCxnSpPr>
+          <p:cNvPr id="77" name="カギ線コネクタ 76">
+            <a:extLst>
+              <a:ext uri="{FF2B5EF4-FFF2-40B4-BE49-F238E27FC236}">
+                <a16:creationId xmlns:a16="http://schemas.microsoft.com/office/drawing/2014/main" id="{14AB9319-DA48-104D-9996-1E4774114D07}"/>
+              </a:ext>
+            </a:extLst>
+          </p:cNvPr>
+          <p:cNvCxnSpPr>
+            <a:cxnSpLocks/>
+          </p:cNvCxnSpPr>
+          <p:nvPr/>
+        </p:nvCxnSpPr>
+        <p:spPr>
+          <a:xfrm rot="5400000">
+            <a:off x="9959876" y="3734242"/>
+            <a:ext cx="184670" cy="12450"/>
+          </a:xfrm>
+          <a:prstGeom prst="bentConnector3">
+            <a:avLst>
+              <a:gd name="adj1" fmla="val 50000"/>
+            </a:avLst>
+          </a:prstGeom>
+          <a:ln w="28575" cap="flat" cmpd="sng" algn="ctr">
+            <a:solidFill>
+              <a:schemeClr val="dk1"/>
+            </a:solidFill>
+            <a:prstDash val="solid"/>
+            <a:round/>
+            <a:headEnd type="none" w="med" len="med"/>
+            <a:tailEnd type="arrow" w="med" len="med"/>
+          </a:ln>
+        </p:spPr>
+        <p:style>
+          <a:lnRef idx="0">
+            <a:scrgbClr r="0" g="0" b="0"/>
+          </a:lnRef>
+          <a:fillRef idx="0">
+            <a:scrgbClr r="0" g="0" b="0"/>
+          </a:fillRef>
+          <a:effectRef idx="0">
+            <a:scrgbClr r="0" g="0" b="0"/>
+          </a:effectRef>
+          <a:fontRef idx="minor">
+            <a:schemeClr val="tx1"/>
+          </a:fontRef>
+        </p:style>
+      </p:cxnSp>
+      <p:cxnSp>
+        <p:nvCxnSpPr>
+          <p:cNvPr id="78" name="カギ線コネクタ 77">
+            <a:extLst>
+              <a:ext uri="{FF2B5EF4-FFF2-40B4-BE49-F238E27FC236}">
+                <a16:creationId xmlns:a16="http://schemas.microsoft.com/office/drawing/2014/main" id="{09C42169-4522-D443-91EE-DB8116DC73EB}"/>
+              </a:ext>
+            </a:extLst>
+          </p:cNvPr>
+          <p:cNvCxnSpPr>
+            <a:cxnSpLocks/>
+            <a:stCxn id="61" idx="2"/>
+            <a:endCxn id="67" idx="0"/>
+          </p:cNvCxnSpPr>
+          <p:nvPr/>
+        </p:nvCxnSpPr>
+        <p:spPr>
+          <a:xfrm rot="16200000" flipH="1">
+            <a:off x="7012564" y="3099034"/>
+            <a:ext cx="223722" cy="6226"/>
+          </a:xfrm>
+          <a:prstGeom prst="bentConnector3">
+            <a:avLst>
+              <a:gd name="adj1" fmla="val 50000"/>
+            </a:avLst>
+          </a:prstGeom>
+          <a:ln w="28575" cap="flat" cmpd="sng" algn="ctr">
+            <a:solidFill>
+              <a:schemeClr val="dk1"/>
+            </a:solidFill>
+            <a:prstDash val="solid"/>
+            <a:round/>
+            <a:headEnd type="none" w="med" len="med"/>
+            <a:tailEnd type="arrow" w="med" len="med"/>
+          </a:ln>
+        </p:spPr>
+        <p:style>
+          <a:lnRef idx="0">
+            <a:scrgbClr r="0" g="0" b="0"/>
+          </a:lnRef>
+          <a:fillRef idx="0">
+            <a:scrgbClr r="0" g="0" b="0"/>
+          </a:fillRef>
+          <a:effectRef idx="0">
+            <a:scrgbClr r="0" g="0" b="0"/>
+          </a:effectRef>
+          <a:fontRef idx="minor">
+            <a:schemeClr val="tx1"/>
+          </a:fontRef>
+        </p:style>
+      </p:cxnSp>
+      <p:cxnSp>
+        <p:nvCxnSpPr>
+          <p:cNvPr id="79" name="カギ線コネクタ 78">
+            <a:extLst>
+              <a:ext uri="{FF2B5EF4-FFF2-40B4-BE49-F238E27FC236}">
+                <a16:creationId xmlns:a16="http://schemas.microsoft.com/office/drawing/2014/main" id="{8798A473-6310-FE41-87E9-371E6A11D808}"/>
+              </a:ext>
+            </a:extLst>
+          </p:cNvPr>
+          <p:cNvCxnSpPr>
+            <a:cxnSpLocks/>
+            <a:stCxn id="66" idx="1"/>
+            <a:endCxn id="68" idx="3"/>
+          </p:cNvCxnSpPr>
+          <p:nvPr/>
+        </p:nvCxnSpPr>
+        <p:spPr>
+          <a:xfrm rot="10800000" flipV="1">
+            <a:off x="8394731" y="4077427"/>
+            <a:ext cx="390289" cy="108867"/>
+          </a:xfrm>
+          <a:prstGeom prst="bentConnector3">
+            <a:avLst>
+              <a:gd name="adj1" fmla="val 50000"/>
+            </a:avLst>
+          </a:prstGeom>
+          <a:ln w="28575" cap="flat" cmpd="sng" algn="ctr">
+            <a:solidFill>
+              <a:schemeClr val="dk1"/>
+            </a:solidFill>
+            <a:prstDash val="solid"/>
+            <a:round/>
+            <a:headEnd type="none" w="med" len="med"/>
+            <a:tailEnd type="arrow" w="med" len="med"/>
+          </a:ln>
+        </p:spPr>
+        <p:style>
+          <a:lnRef idx="0">
+            <a:scrgbClr r="0" g="0" b="0"/>
+          </a:lnRef>
+          <a:fillRef idx="0">
+            <a:scrgbClr r="0" g="0" b="0"/>
+          </a:fillRef>
+          <a:effectRef idx="0">
+            <a:scrgbClr r="0" g="0" b="0"/>
+          </a:effectRef>
+          <a:fontRef idx="minor">
+            <a:schemeClr val="tx1"/>
+          </a:fontRef>
+        </p:style>
+      </p:cxnSp>
+      <p:cxnSp>
+        <p:nvCxnSpPr>
+          <p:cNvPr id="80" name="カギ線コネクタ 79">
+            <a:extLst>
+              <a:ext uri="{FF2B5EF4-FFF2-40B4-BE49-F238E27FC236}">
+                <a16:creationId xmlns:a16="http://schemas.microsoft.com/office/drawing/2014/main" id="{F8DFC3C6-E018-784F-B7CD-6B9F72B599AB}"/>
+              </a:ext>
+            </a:extLst>
+          </p:cNvPr>
+          <p:cNvCxnSpPr>
+            <a:cxnSpLocks/>
+            <a:stCxn id="67" idx="2"/>
+            <a:endCxn id="68" idx="0"/>
+          </p:cNvCxnSpPr>
+          <p:nvPr/>
+        </p:nvCxnSpPr>
+        <p:spPr>
+          <a:xfrm rot="5400000">
+            <a:off x="7015678" y="3824911"/>
+            <a:ext cx="223722" cy="12450"/>
+          </a:xfrm>
+          <a:prstGeom prst="bentConnector3">
+            <a:avLst>
+              <a:gd name="adj1" fmla="val 50000"/>
+            </a:avLst>
+          </a:prstGeom>
+          <a:ln w="28575" cap="flat" cmpd="sng" algn="ctr">
+            <a:solidFill>
+              <a:schemeClr val="dk1"/>
+            </a:solidFill>
+            <a:prstDash val="solid"/>
+            <a:round/>
+            <a:headEnd type="none" w="med" len="med"/>
+            <a:tailEnd type="arrow" w="med" len="med"/>
+          </a:ln>
+        </p:spPr>
+        <p:style>
+          <a:lnRef idx="0">
+            <a:scrgbClr r="0" g="0" b="0"/>
+          </a:lnRef>
+          <a:fillRef idx="0">
+            <a:scrgbClr r="0" g="0" b="0"/>
+          </a:fillRef>
+          <a:effectRef idx="0">
+            <a:scrgbClr r="0" g="0" b="0"/>
+          </a:effectRef>
+          <a:fontRef idx="minor">
+            <a:schemeClr val="tx1"/>
+          </a:fontRef>
+        </p:style>
+      </p:cxnSp>
+      <p:cxnSp>
+        <p:nvCxnSpPr>
+          <p:cNvPr id="81" name="カギ線コネクタ 80">
+            <a:extLst>
+              <a:ext uri="{FF2B5EF4-FFF2-40B4-BE49-F238E27FC236}">
+                <a16:creationId xmlns:a16="http://schemas.microsoft.com/office/drawing/2014/main" id="{BAAAE0CE-A198-6849-B2F9-857A15CA1D76}"/>
+              </a:ext>
+            </a:extLst>
+          </p:cNvPr>
+          <p:cNvCxnSpPr>
+            <a:cxnSpLocks/>
+            <a:stCxn id="68" idx="2"/>
+            <a:endCxn id="70" idx="0"/>
+          </p:cNvCxnSpPr>
+          <p:nvPr/>
+        </p:nvCxnSpPr>
+        <p:spPr>
+          <a:xfrm rot="5400000">
+            <a:off x="7020627" y="4533135"/>
+            <a:ext cx="204234" cy="9592"/>
+          </a:xfrm>
+          <a:prstGeom prst="bentConnector3">
+            <a:avLst>
+              <a:gd name="adj1" fmla="val 50000"/>
+            </a:avLst>
+          </a:prstGeom>
+          <a:ln w="28575" cap="flat" cmpd="sng" algn="ctr">
+            <a:solidFill>
+              <a:schemeClr val="dk1"/>
+            </a:solidFill>
+            <a:prstDash val="solid"/>
+            <a:round/>
+            <a:headEnd type="none" w="med" len="med"/>
+            <a:tailEnd type="arrow" w="med" len="med"/>
+          </a:ln>
+        </p:spPr>
+        <p:style>
+          <a:lnRef idx="0">
+            <a:scrgbClr r="0" g="0" b="0"/>
+          </a:lnRef>
+          <a:fillRef idx="0">
+            <a:scrgbClr r="0" g="0" b="0"/>
+          </a:fillRef>
+          <a:effectRef idx="0">
+            <a:scrgbClr r="0" g="0" b="0"/>
+          </a:effectRef>
+          <a:fontRef idx="minor">
+            <a:schemeClr val="tx1"/>
+          </a:fontRef>
+        </p:style>
+      </p:cxnSp>
+      <p:sp>
+        <p:nvSpPr>
+          <p:cNvPr id="85" name="角丸四角形 84">
+            <a:extLst>
+              <a:ext uri="{FF2B5EF4-FFF2-40B4-BE49-F238E27FC236}">
+                <a16:creationId xmlns:a16="http://schemas.microsoft.com/office/drawing/2014/main" id="{11CFD6C7-D692-A942-953B-E5C0FA64CF1F}"/>
+              </a:ext>
+            </a:extLst>
+          </p:cNvPr>
+          <p:cNvSpPr/>
+          <p:nvPr/>
+        </p:nvSpPr>
+        <p:spPr bwMode="auto">
+          <a:xfrm>
+            <a:off x="8791244" y="5307634"/>
+            <a:ext cx="2534382" cy="499042"/>
+          </a:xfrm>
+          <a:prstGeom prst="roundRect">
+            <a:avLst/>
+          </a:prstGeom>
+          <a:ln>
+            <a:headEnd type="none" w="med" len="med"/>
+            <a:tailEnd type="none" w="med" len="med"/>
+          </a:ln>
+        </p:spPr>
+        <p:style>
+          <a:lnRef idx="1">
+            <a:schemeClr val="accent1"/>
+          </a:lnRef>
+          <a:fillRef idx="2">
+            <a:schemeClr val="accent1"/>
+          </a:fillRef>
+          <a:effectRef idx="1">
+            <a:schemeClr val="accent1"/>
+          </a:effectRef>
+          <a:fontRef idx="minor">
+            <a:schemeClr val="dk1"/>
+          </a:fontRef>
+        </p:style>
+        <p:txBody>
+          <a:bodyPr rot="0" spcFirstLastPara="0" vertOverflow="overflow" horzOverflow="overflow" vert="horz" wrap="square" lIns="179285" tIns="143428" rIns="179285" bIns="143428" numCol="1" spcCol="0" rtlCol="0" fromWordArt="0" anchor="ctr" anchorCtr="0" forceAA="0" compatLnSpc="1">
+            <a:prstTxWarp prst="textNoShape">
+              <a:avLst/>
+            </a:prstTxWarp>
+            <a:noAutofit/>
+          </a:bodyPr>
+          <a:lstStyle/>
+          <a:p>
+            <a:pPr algn="ctr" defTabSz="914102" fontAlgn="base">
+              <a:lnSpc>
+                <a:spcPct val="90000"/>
+              </a:lnSpc>
+              <a:spcBef>
+                <a:spcPct val="0"/>
+              </a:spcBef>
+              <a:spcAft>
+                <a:spcPct val="0"/>
+              </a:spcAft>
+            </a:pPr>
+            <a:r>
+              <a:rPr lang="ja-JP" altLang="en-US" sz="1372" dirty="0">
+                <a:solidFill>
+                  <a:schemeClr val="tx2"/>
+                </a:solidFill>
+                <a:cs typeface="Segoe UI" pitchFamily="34" charset="0"/>
+              </a:rPr>
+              <a:t>利用状況の監視</a:t>
+            </a:r>
+            <a:endParaRPr lang="en-US" altLang="ja-JP" sz="1372" dirty="0">
+              <a:solidFill>
+                <a:schemeClr val="tx2"/>
+              </a:solidFill>
+              <a:cs typeface="Segoe UI" pitchFamily="34" charset="0"/>
+            </a:endParaRPr>
+          </a:p>
+        </p:txBody>
+      </p:sp>
+      <p:cxnSp>
+        <p:nvCxnSpPr>
+          <p:cNvPr id="86" name="カギ線コネクタ 85">
+            <a:extLst>
+              <a:ext uri="{FF2B5EF4-FFF2-40B4-BE49-F238E27FC236}">
+                <a16:creationId xmlns:a16="http://schemas.microsoft.com/office/drawing/2014/main" id="{3E2C0491-A617-1A40-8613-CFECC7D27C27}"/>
+              </a:ext>
+            </a:extLst>
+          </p:cNvPr>
+          <p:cNvCxnSpPr>
+            <a:cxnSpLocks/>
+            <a:stCxn id="66" idx="2"/>
+            <a:endCxn id="85" idx="0"/>
+          </p:cNvCxnSpPr>
+          <p:nvPr/>
+        </p:nvCxnSpPr>
+        <p:spPr>
+          <a:xfrm rot="16200000" flipH="1">
+            <a:off x="9564980" y="4814177"/>
+            <a:ext cx="980686" cy="6225"/>
+          </a:xfrm>
+          <a:prstGeom prst="bentConnector3">
+            <a:avLst>
+              <a:gd name="adj1" fmla="val 50000"/>
+            </a:avLst>
+          </a:prstGeom>
+          <a:ln w="28575" cap="flat" cmpd="sng" algn="ctr">
+            <a:solidFill>
+              <a:schemeClr val="dk1"/>
+            </a:solidFill>
+            <a:prstDash val="solid"/>
+            <a:round/>
+            <a:headEnd type="none" w="med" len="med"/>
+            <a:tailEnd type="arrow" w="med" len="med"/>
+          </a:ln>
+        </p:spPr>
+        <p:style>
+          <a:lnRef idx="0">
+            <a:scrgbClr r="0" g="0" b="0"/>
+          </a:lnRef>
+          <a:fillRef idx="0">
+            <a:scrgbClr r="0" g="0" b="0"/>
+          </a:fillRef>
+          <a:effectRef idx="0">
+            <a:scrgbClr r="0" g="0" b="0"/>
+          </a:effectRef>
+          <a:fontRef idx="minor">
+            <a:schemeClr val="tx1"/>
+          </a:fontRef>
+        </p:style>
+      </p:cxnSp>
+      <p:sp>
+        <p:nvSpPr>
+          <p:cNvPr id="90" name="角丸四角形 89">
+            <a:extLst>
+              <a:ext uri="{FF2B5EF4-FFF2-40B4-BE49-F238E27FC236}">
+                <a16:creationId xmlns:a16="http://schemas.microsoft.com/office/drawing/2014/main" id="{39FD701D-85B1-AB47-8FBB-7F0A2876F382}"/>
+              </a:ext>
+            </a:extLst>
+          </p:cNvPr>
+          <p:cNvSpPr/>
+          <p:nvPr/>
+        </p:nvSpPr>
+        <p:spPr bwMode="auto">
+          <a:xfrm>
+            <a:off x="5854121" y="6149508"/>
+            <a:ext cx="5465280" cy="499042"/>
+          </a:xfrm>
+          <a:prstGeom prst="roundRect">
+            <a:avLst/>
+          </a:prstGeom>
+          <a:ln>
+            <a:headEnd type="none" w="med" len="med"/>
+            <a:tailEnd type="none" w="med" len="med"/>
+          </a:ln>
+        </p:spPr>
+        <p:style>
+          <a:lnRef idx="1">
+            <a:schemeClr val="accent3"/>
+          </a:lnRef>
+          <a:fillRef idx="2">
+            <a:schemeClr val="accent3"/>
+          </a:fillRef>
+          <a:effectRef idx="1">
+            <a:schemeClr val="accent3"/>
+          </a:effectRef>
+          <a:fontRef idx="minor">
+            <a:schemeClr val="dk1"/>
+          </a:fontRef>
+        </p:style>
+        <p:txBody>
+          <a:bodyPr rot="0" spcFirstLastPara="0" vertOverflow="overflow" horzOverflow="overflow" vert="horz" wrap="square" lIns="179285" tIns="143428" rIns="179285" bIns="143428" numCol="1" spcCol="0" rtlCol="0" fromWordArt="0" anchor="ctr" anchorCtr="0" forceAA="0" compatLnSpc="1">
+            <a:prstTxWarp prst="textNoShape">
+              <a:avLst/>
+            </a:prstTxWarp>
+            <a:noAutofit/>
+          </a:bodyPr>
+          <a:lstStyle/>
+          <a:p>
+            <a:pPr algn="ctr" defTabSz="914102" fontAlgn="base">
+              <a:lnSpc>
+                <a:spcPct val="90000"/>
+              </a:lnSpc>
+              <a:spcBef>
+                <a:spcPct val="0"/>
+              </a:spcBef>
+              <a:spcAft>
+                <a:spcPct val="0"/>
+              </a:spcAft>
+            </a:pPr>
+            <a:r>
+              <a:rPr lang="ja-JP" altLang="en-US" sz="1372">
+                <a:solidFill>
+                  <a:schemeClr val="tx2"/>
+                </a:solidFill>
+                <a:cs typeface="Segoe UI" pitchFamily="34" charset="0"/>
+              </a:rPr>
+              <a:t>拡張が必要？</a:t>
+            </a:r>
+            <a:endParaRPr lang="en-US" altLang="ja-JP" sz="1372" dirty="0">
+              <a:solidFill>
+                <a:schemeClr val="tx2"/>
+              </a:solidFill>
+              <a:cs typeface="Segoe UI" pitchFamily="34" charset="0"/>
+            </a:endParaRPr>
+          </a:p>
+        </p:txBody>
+      </p:sp>
+      <p:cxnSp>
+        <p:nvCxnSpPr>
+          <p:cNvPr id="92" name="カギ線コネクタ 91">
+            <a:extLst>
+              <a:ext uri="{FF2B5EF4-FFF2-40B4-BE49-F238E27FC236}">
+                <a16:creationId xmlns:a16="http://schemas.microsoft.com/office/drawing/2014/main" id="{093B2156-461E-1F45-AD88-CFF6BBAA9B7C}"/>
+              </a:ext>
+            </a:extLst>
+          </p:cNvPr>
+          <p:cNvCxnSpPr>
+            <a:cxnSpLocks/>
+            <a:stCxn id="85" idx="2"/>
+            <a:endCxn id="90" idx="0"/>
+          </p:cNvCxnSpPr>
+          <p:nvPr/>
+        </p:nvCxnSpPr>
+        <p:spPr>
+          <a:xfrm rot="5400000">
+            <a:off x="9151182" y="5242254"/>
+            <a:ext cx="342832" cy="1471674"/>
+          </a:xfrm>
+          <a:prstGeom prst="bentConnector3">
+            <a:avLst>
+              <a:gd name="adj1" fmla="val 50000"/>
+            </a:avLst>
+          </a:prstGeom>
+          <a:ln w="28575" cap="flat" cmpd="sng" algn="ctr">
+            <a:solidFill>
+              <a:schemeClr val="dk1"/>
+            </a:solidFill>
+            <a:prstDash val="solid"/>
+            <a:round/>
+            <a:headEnd type="none" w="med" len="med"/>
+            <a:tailEnd type="arrow" w="med" len="med"/>
+          </a:ln>
+        </p:spPr>
+        <p:style>
+          <a:lnRef idx="0">
+            <a:scrgbClr r="0" g="0" b="0"/>
+          </a:lnRef>
+          <a:fillRef idx="0">
+            <a:scrgbClr r="0" g="0" b="0"/>
+          </a:fillRef>
+          <a:effectRef idx="0">
+            <a:scrgbClr r="0" g="0" b="0"/>
+          </a:effectRef>
+          <a:fontRef idx="minor">
+            <a:schemeClr val="tx1"/>
+          </a:fontRef>
+        </p:style>
+      </p:cxnSp>
+      <p:cxnSp>
+        <p:nvCxnSpPr>
+          <p:cNvPr id="95" name="カギ線コネクタ 94">
+            <a:extLst>
+              <a:ext uri="{FF2B5EF4-FFF2-40B4-BE49-F238E27FC236}">
+                <a16:creationId xmlns:a16="http://schemas.microsoft.com/office/drawing/2014/main" id="{461EFF9C-7AD9-BD46-A6B7-F51FBECA628D}"/>
+              </a:ext>
+            </a:extLst>
+          </p:cNvPr>
+          <p:cNvCxnSpPr>
+            <a:cxnSpLocks/>
+            <a:stCxn id="70" idx="2"/>
+            <a:endCxn id="6" idx="0"/>
+          </p:cNvCxnSpPr>
+          <p:nvPr/>
+        </p:nvCxnSpPr>
+        <p:spPr>
+          <a:xfrm rot="5400000">
+            <a:off x="7031315" y="5222611"/>
+            <a:ext cx="170152" cy="3113"/>
+          </a:xfrm>
+          <a:prstGeom prst="bentConnector3">
+            <a:avLst>
+              <a:gd name="adj1" fmla="val 50000"/>
+            </a:avLst>
+          </a:prstGeom>
+          <a:ln w="28575" cap="flat" cmpd="sng" algn="ctr">
+            <a:solidFill>
+              <a:schemeClr val="dk1"/>
+            </a:solidFill>
+            <a:prstDash val="solid"/>
+            <a:round/>
+            <a:headEnd type="none" w="med" len="med"/>
+            <a:tailEnd type="arrow" w="med" len="med"/>
+          </a:ln>
+        </p:spPr>
+        <p:style>
+          <a:lnRef idx="0">
+            <a:scrgbClr r="0" g="0" b="0"/>
+          </a:lnRef>
+          <a:fillRef idx="0">
+            <a:scrgbClr r="0" g="0" b="0"/>
+          </a:fillRef>
+          <a:effectRef idx="0">
+            <a:scrgbClr r="0" g="0" b="0"/>
+          </a:effectRef>
+          <a:fontRef idx="minor">
+            <a:schemeClr val="tx1"/>
+          </a:fontRef>
+        </p:style>
+      </p:cxnSp>
+      <p:cxnSp>
+        <p:nvCxnSpPr>
+          <p:cNvPr id="98" name="カギ線コネクタ 97">
+            <a:extLst>
+              <a:ext uri="{FF2B5EF4-FFF2-40B4-BE49-F238E27FC236}">
+                <a16:creationId xmlns:a16="http://schemas.microsoft.com/office/drawing/2014/main" id="{C134E742-DF1E-2343-A076-C99F378002CB}"/>
+              </a:ext>
+            </a:extLst>
+          </p:cNvPr>
+          <p:cNvCxnSpPr>
+            <a:cxnSpLocks/>
+            <a:stCxn id="90" idx="3"/>
+            <a:endCxn id="60" idx="3"/>
+          </p:cNvCxnSpPr>
+          <p:nvPr/>
+        </p:nvCxnSpPr>
+        <p:spPr>
+          <a:xfrm flipV="1">
+            <a:off x="11319401" y="422606"/>
+            <a:ext cx="12450" cy="5976423"/>
+          </a:xfrm>
+          <a:prstGeom prst="bentConnector3">
+            <a:avLst>
+              <a:gd name="adj1" fmla="val 1800000"/>
+            </a:avLst>
+          </a:prstGeom>
+          <a:ln w="28575" cap="flat" cmpd="sng" algn="ctr">
+            <a:solidFill>
+              <a:schemeClr val="dk1"/>
+            </a:solidFill>
+            <a:prstDash val="solid"/>
+            <a:round/>
+            <a:headEnd type="none" w="med" len="med"/>
+            <a:tailEnd type="arrow" w="med" len="med"/>
+          </a:ln>
+        </p:spPr>
+        <p:style>
+          <a:lnRef idx="0">
+            <a:scrgbClr r="0" g="0" b="0"/>
+          </a:lnRef>
+          <a:fillRef idx="0">
+            <a:scrgbClr r="0" g="0" b="0"/>
+          </a:fillRef>
+          <a:effectRef idx="0">
+            <a:scrgbClr r="0" g="0" b="0"/>
+          </a:effectRef>
+          <a:fontRef idx="minor">
+            <a:schemeClr val="tx1"/>
+          </a:fontRef>
+        </p:style>
+      </p:cxnSp>
+      <p:pic>
+        <p:nvPicPr>
+          <p:cNvPr id="127" name="図 126" descr="挿絵 が含まれている画像&#10;&#10;自動的に生成された説明">
+            <a:extLst>
+              <a:ext uri="{FF2B5EF4-FFF2-40B4-BE49-F238E27FC236}">
+                <a16:creationId xmlns:a16="http://schemas.microsoft.com/office/drawing/2014/main" id="{D2237C48-257D-BD4E-87AC-FFD7E01F1521}"/>
+              </a:ext>
+            </a:extLst>
+          </p:cNvPr>
+          <p:cNvPicPr>
+            <a:picLocks noChangeAspect="1"/>
+          </p:cNvPicPr>
+          <p:nvPr/>
+        </p:nvPicPr>
+        <p:blipFill>
+          <a:blip r:embed="rId2">
+            <a:extLst>
+              <a:ext uri="{28A0092B-C50C-407E-A947-70E740481C1C}">
+                <a14:useLocalDpi xmlns:a14="http://schemas.microsoft.com/office/drawing/2010/main" val="0"/>
+              </a:ext>
+            </a:extLst>
+          </a:blip>
+          <a:stretch>
+            <a:fillRect/>
+          </a:stretch>
+        </p:blipFill>
+        <p:spPr>
+          <a:xfrm>
+            <a:off x="5676274" y="2328336"/>
+            <a:ext cx="540963" cy="540963"/>
+          </a:xfrm>
+          <a:prstGeom prst="rect">
+            <a:avLst/>
+          </a:prstGeom>
+        </p:spPr>
+      </p:pic>
+      <p:pic>
+        <p:nvPicPr>
+          <p:cNvPr id="129" name="図 128" descr="ゲームのキャラクター&#10;&#10;低い精度で自動的に生成された説明">
+            <a:extLst>
+              <a:ext uri="{FF2B5EF4-FFF2-40B4-BE49-F238E27FC236}">
+                <a16:creationId xmlns:a16="http://schemas.microsoft.com/office/drawing/2014/main" id="{4E606B40-774A-8F4F-9D87-D5B3C70460A4}"/>
+              </a:ext>
+            </a:extLst>
+          </p:cNvPr>
+          <p:cNvPicPr>
+            <a:picLocks noChangeAspect="1"/>
+          </p:cNvPicPr>
+          <p:nvPr/>
+        </p:nvPicPr>
+        <p:blipFill>
+          <a:blip r:embed="rId3">
+            <a:extLst>
+              <a:ext uri="{28A0092B-C50C-407E-A947-70E740481C1C}">
+                <a14:useLocalDpi xmlns:a14="http://schemas.microsoft.com/office/drawing/2010/main" val="0"/>
+              </a:ext>
+            </a:extLst>
+          </a:blip>
+          <a:stretch>
+            <a:fillRect/>
+          </a:stretch>
+        </p:blipFill>
+        <p:spPr>
+          <a:xfrm>
+            <a:off x="10782950" y="677510"/>
+            <a:ext cx="595059" cy="595059"/>
+          </a:xfrm>
+          <a:prstGeom prst="rect">
+            <a:avLst/>
+          </a:prstGeom>
+        </p:spPr>
+      </p:pic>
+      <p:sp>
+        <p:nvSpPr>
+          <p:cNvPr id="6" name="角丸四角形 84">
+            <a:extLst>
+              <a:ext uri="{FF2B5EF4-FFF2-40B4-BE49-F238E27FC236}">
+                <a16:creationId xmlns:a16="http://schemas.microsoft.com/office/drawing/2014/main" id="{06F43BC9-6304-48C3-B178-34A9CE0D9F12}"/>
+              </a:ext>
+            </a:extLst>
+          </p:cNvPr>
+          <p:cNvSpPr/>
+          <p:nvPr/>
+        </p:nvSpPr>
+        <p:spPr bwMode="auto">
+          <a:xfrm>
+            <a:off x="5847643" y="5309243"/>
+            <a:ext cx="2534382" cy="499042"/>
+          </a:xfrm>
+          <a:prstGeom prst="roundRect">
+            <a:avLst/>
+          </a:prstGeom>
+          <a:ln>
+            <a:headEnd type="none" w="med" len="med"/>
+            <a:tailEnd type="none" w="med" len="med"/>
+          </a:ln>
+        </p:spPr>
+        <p:style>
+          <a:lnRef idx="1">
+            <a:schemeClr val="accent6"/>
+          </a:lnRef>
+          <a:fillRef idx="2">
+            <a:schemeClr val="accent6"/>
+          </a:fillRef>
+          <a:effectRef idx="1">
+            <a:schemeClr val="accent6"/>
+          </a:effectRef>
+          <a:fontRef idx="minor">
+            <a:schemeClr val="dk1"/>
+          </a:fontRef>
+        </p:style>
+        <p:txBody>
+          <a:bodyPr rot="0" spcFirstLastPara="0" vertOverflow="overflow" horzOverflow="overflow" vert="horz" wrap="square" lIns="179285" tIns="143428" rIns="179285" bIns="143428" numCol="1" spcCol="0" rtlCol="0" fromWordArt="0" anchor="ctr" anchorCtr="0" forceAA="0" compatLnSpc="1">
+            <a:prstTxWarp prst="textNoShape">
+              <a:avLst/>
+            </a:prstTxWarp>
+            <a:noAutofit/>
+          </a:bodyPr>
+          <a:lstStyle/>
+          <a:p>
+            <a:pPr algn="ctr" defTabSz="914102" fontAlgn="base">
+              <a:lnSpc>
+                <a:spcPct val="90000"/>
+              </a:lnSpc>
+              <a:spcBef>
+                <a:spcPct val="0"/>
+              </a:spcBef>
+              <a:spcAft>
+                <a:spcPct val="0"/>
+              </a:spcAft>
+            </a:pPr>
+            <a:r>
+              <a:rPr lang="ja-JP" altLang="en-US" sz="1372" dirty="0">
+                <a:solidFill>
+                  <a:schemeClr val="tx2"/>
+                </a:solidFill>
+                <a:cs typeface="Segoe UI" pitchFamily="34" charset="0"/>
+              </a:rPr>
+              <a:t>利用状況の監視</a:t>
+            </a:r>
+            <a:endParaRPr lang="en-US" altLang="ja-JP" sz="1372" dirty="0">
+              <a:solidFill>
+                <a:schemeClr val="tx2"/>
+              </a:solidFill>
+              <a:cs typeface="Segoe UI" pitchFamily="34" charset="0"/>
+            </a:endParaRPr>
+          </a:p>
+        </p:txBody>
+      </p:sp>
+      <p:cxnSp>
+        <p:nvCxnSpPr>
+          <p:cNvPr id="9" name="カギ線コネクタ 91">
+            <a:extLst>
+              <a:ext uri="{FF2B5EF4-FFF2-40B4-BE49-F238E27FC236}">
+                <a16:creationId xmlns:a16="http://schemas.microsoft.com/office/drawing/2014/main" id="{9A5E7DA5-18E1-409C-BEE1-7BBAA9814972}"/>
+              </a:ext>
+            </a:extLst>
+          </p:cNvPr>
+          <p:cNvCxnSpPr>
+            <a:cxnSpLocks/>
+            <a:stCxn id="6" idx="2"/>
+            <a:endCxn id="90" idx="0"/>
+          </p:cNvCxnSpPr>
+          <p:nvPr/>
+        </p:nvCxnSpPr>
+        <p:spPr>
+          <a:xfrm rot="16200000" flipH="1">
+            <a:off x="7680187" y="5242932"/>
+            <a:ext cx="341223" cy="1471927"/>
+          </a:xfrm>
+          <a:prstGeom prst="bentConnector3">
+            <a:avLst>
+              <a:gd name="adj1" fmla="val 50000"/>
+            </a:avLst>
+          </a:prstGeom>
+          <a:ln w="28575" cap="flat" cmpd="sng" algn="ctr">
+            <a:solidFill>
+              <a:schemeClr val="dk1"/>
+            </a:solidFill>
+            <a:prstDash val="solid"/>
+            <a:round/>
+            <a:headEnd type="none" w="med" len="med"/>
+            <a:tailEnd type="arrow" w="med" len="med"/>
+          </a:ln>
+        </p:spPr>
+        <p:style>
+          <a:lnRef idx="0">
+            <a:scrgbClr r="0" g="0" b="0"/>
+          </a:lnRef>
+          <a:fillRef idx="0">
+            <a:scrgbClr r="0" g="0" b="0"/>
+          </a:fillRef>
+          <a:effectRef idx="0">
+            <a:scrgbClr r="0" g="0" b="0"/>
+          </a:effectRef>
+          <a:fontRef idx="minor">
+            <a:schemeClr val="tx1"/>
+          </a:fontRef>
+        </p:style>
+      </p:cxnSp>
+      <p:sp>
+        <p:nvSpPr>
+          <p:cNvPr id="5" name="角丸四角形 59">
+            <a:extLst>
+              <a:ext uri="{FF2B5EF4-FFF2-40B4-BE49-F238E27FC236}">
+                <a16:creationId xmlns:a16="http://schemas.microsoft.com/office/drawing/2014/main" id="{B5F4F1C3-8A9D-4BC8-83CA-26E4277ED124}"/>
+              </a:ext>
+            </a:extLst>
+          </p:cNvPr>
+          <p:cNvSpPr/>
+          <p:nvPr/>
+        </p:nvSpPr>
+        <p:spPr bwMode="auto">
+          <a:xfrm>
+            <a:off x="3482318" y="5880471"/>
+            <a:ext cx="1480515" cy="499042"/>
+          </a:xfrm>
+          <a:prstGeom prst="roundRect">
+            <a:avLst/>
+          </a:prstGeom>
+          <a:ln>
+            <a:headEnd type="none" w="med" len="med"/>
+            <a:tailEnd type="none" w="med" len="med"/>
+          </a:ln>
+        </p:spPr>
+        <p:style>
+          <a:lnRef idx="1">
+            <a:schemeClr val="accent3"/>
+          </a:lnRef>
+          <a:fillRef idx="2">
+            <a:schemeClr val="accent3"/>
+          </a:fillRef>
+          <a:effectRef idx="1">
+            <a:schemeClr val="accent3"/>
+          </a:effectRef>
+          <a:fontRef idx="minor">
+            <a:schemeClr val="dk1"/>
+          </a:fontRef>
+        </p:style>
+        <p:txBody>
+          <a:bodyPr rot="0" spcFirstLastPara="0" vertOverflow="overflow" horzOverflow="overflow" vert="horz" wrap="square" lIns="179285" tIns="143428" rIns="179285" bIns="143428" numCol="1" spcCol="0" rtlCol="0" fromWordArt="0" anchor="ctr" anchorCtr="0" forceAA="0" compatLnSpc="1">
+            <a:prstTxWarp prst="textNoShape">
+              <a:avLst/>
+            </a:prstTxWarp>
+            <a:noAutofit/>
+          </a:bodyPr>
+          <a:lstStyle/>
+          <a:p>
+            <a:pPr algn="ctr" defTabSz="914102" fontAlgn="base">
+              <a:lnSpc>
+                <a:spcPct val="90000"/>
+              </a:lnSpc>
+              <a:spcBef>
+                <a:spcPct val="0"/>
+              </a:spcBef>
+              <a:spcAft>
+                <a:spcPct val="0"/>
+              </a:spcAft>
+            </a:pPr>
+            <a:r>
+              <a:rPr lang="ja-JP" altLang="en-US" sz="1372" dirty="0">
+                <a:solidFill>
+                  <a:schemeClr val="tx2"/>
+                </a:solidFill>
+                <a:cs typeface="Segoe UI" pitchFamily="34" charset="0"/>
+              </a:rPr>
+              <a:t>共同作業</a:t>
+            </a:r>
+            <a:endParaRPr lang="en-US" altLang="ja-JP" sz="1372" dirty="0">
+              <a:solidFill>
+                <a:schemeClr val="tx2"/>
+              </a:solidFill>
+              <a:cs typeface="Segoe UI" pitchFamily="34" charset="0"/>
+            </a:endParaRPr>
+          </a:p>
+        </p:txBody>
+      </p:sp>
+      <p:sp>
+        <p:nvSpPr>
+          <p:cNvPr id="7" name="角丸四角形 84">
+            <a:extLst>
+              <a:ext uri="{FF2B5EF4-FFF2-40B4-BE49-F238E27FC236}">
+                <a16:creationId xmlns:a16="http://schemas.microsoft.com/office/drawing/2014/main" id="{00C272DD-9145-4425-9958-4103F328B1B5}"/>
+              </a:ext>
+            </a:extLst>
+          </p:cNvPr>
+          <p:cNvSpPr/>
+          <p:nvPr/>
+        </p:nvSpPr>
+        <p:spPr bwMode="auto">
+          <a:xfrm>
+            <a:off x="3482318" y="4429173"/>
+            <a:ext cx="1480515" cy="499042"/>
+          </a:xfrm>
+          <a:prstGeom prst="roundRect">
+            <a:avLst/>
+          </a:prstGeom>
+          <a:ln>
+            <a:headEnd type="none" w="med" len="med"/>
+            <a:tailEnd type="none" w="med" len="med"/>
+          </a:ln>
+        </p:spPr>
+        <p:style>
+          <a:lnRef idx="1">
+            <a:schemeClr val="accent6"/>
+          </a:lnRef>
+          <a:fillRef idx="2">
+            <a:schemeClr val="accent6"/>
+          </a:fillRef>
+          <a:effectRef idx="1">
+            <a:schemeClr val="accent6"/>
+          </a:effectRef>
+          <a:fontRef idx="minor">
+            <a:schemeClr val="dk1"/>
+          </a:fontRef>
+        </p:style>
+        <p:txBody>
+          <a:bodyPr rot="0" spcFirstLastPara="0" vertOverflow="overflow" horzOverflow="overflow" vert="horz" wrap="square" lIns="179285" tIns="143428" rIns="179285" bIns="143428" numCol="1" spcCol="0" rtlCol="0" fromWordArt="0" anchor="ctr" anchorCtr="0" forceAA="0" compatLnSpc="1">
+            <a:prstTxWarp prst="textNoShape">
+              <a:avLst/>
+            </a:prstTxWarp>
+            <a:noAutofit/>
+          </a:bodyPr>
+          <a:lstStyle/>
+          <a:p>
+            <a:pPr algn="ctr" defTabSz="914102" fontAlgn="base">
+              <a:lnSpc>
+                <a:spcPct val="90000"/>
+              </a:lnSpc>
+              <a:spcBef>
+                <a:spcPct val="0"/>
+              </a:spcBef>
+              <a:spcAft>
+                <a:spcPct val="0"/>
+              </a:spcAft>
+            </a:pPr>
+            <a:r>
+              <a:rPr lang="ja-JP" altLang="en-US" sz="1372" dirty="0">
+                <a:solidFill>
+                  <a:schemeClr val="tx2"/>
+                </a:solidFill>
+                <a:cs typeface="Segoe UI" pitchFamily="34" charset="0"/>
+              </a:rPr>
+              <a:t>市民開発者</a:t>
+            </a:r>
+            <a:endParaRPr lang="en-US" altLang="ja-JP" sz="1372" dirty="0">
+              <a:solidFill>
+                <a:schemeClr val="tx2"/>
+              </a:solidFill>
+              <a:cs typeface="Segoe UI" pitchFamily="34" charset="0"/>
+            </a:endParaRPr>
+          </a:p>
+        </p:txBody>
+      </p:sp>
+      <p:sp>
+        <p:nvSpPr>
+          <p:cNvPr id="8" name="角丸四角形 84">
+            <a:extLst>
+              <a:ext uri="{FF2B5EF4-FFF2-40B4-BE49-F238E27FC236}">
+                <a16:creationId xmlns:a16="http://schemas.microsoft.com/office/drawing/2014/main" id="{63B8BA63-FC09-4BE9-8F31-4F7FFCC9BD79}"/>
+              </a:ext>
+            </a:extLst>
+          </p:cNvPr>
+          <p:cNvSpPr/>
+          <p:nvPr/>
+        </p:nvSpPr>
+        <p:spPr bwMode="auto">
+          <a:xfrm>
+            <a:off x="3479903" y="5138552"/>
+            <a:ext cx="1495812" cy="499042"/>
+          </a:xfrm>
+          <a:prstGeom prst="roundRect">
+            <a:avLst/>
+          </a:prstGeom>
+          <a:ln>
+            <a:headEnd type="none" w="med" len="med"/>
+            <a:tailEnd type="none" w="med" len="med"/>
+          </a:ln>
+        </p:spPr>
+        <p:style>
+          <a:lnRef idx="1">
+            <a:schemeClr val="accent1"/>
+          </a:lnRef>
+          <a:fillRef idx="2">
+            <a:schemeClr val="accent1"/>
+          </a:fillRef>
+          <a:effectRef idx="1">
+            <a:schemeClr val="accent1"/>
+          </a:effectRef>
+          <a:fontRef idx="minor">
+            <a:schemeClr val="dk1"/>
+          </a:fontRef>
+        </p:style>
+        <p:txBody>
+          <a:bodyPr rot="0" spcFirstLastPara="0" vertOverflow="overflow" horzOverflow="overflow" vert="horz" wrap="square" lIns="179285" tIns="143428" rIns="179285" bIns="143428" numCol="1" spcCol="0" rtlCol="0" fromWordArt="0" anchor="ctr" anchorCtr="0" forceAA="0" compatLnSpc="1">
+            <a:prstTxWarp prst="textNoShape">
+              <a:avLst/>
+            </a:prstTxWarp>
+            <a:noAutofit/>
+          </a:bodyPr>
+          <a:lstStyle/>
+          <a:p>
+            <a:pPr algn="ctr" defTabSz="914102" fontAlgn="base">
+              <a:lnSpc>
+                <a:spcPct val="90000"/>
+              </a:lnSpc>
+              <a:spcBef>
+                <a:spcPct val="0"/>
+              </a:spcBef>
+              <a:spcAft>
+                <a:spcPct val="0"/>
+              </a:spcAft>
+            </a:pPr>
+            <a:r>
+              <a:rPr lang="ja-JP" altLang="en-US" sz="1372" dirty="0">
+                <a:solidFill>
+                  <a:schemeClr val="tx2"/>
+                </a:solidFill>
+                <a:cs typeface="Segoe UI" pitchFamily="34" charset="0"/>
+              </a:rPr>
+              <a:t>プロ開発者</a:t>
+            </a:r>
+            <a:endParaRPr lang="en-US" altLang="ja-JP" sz="1372" dirty="0">
+              <a:solidFill>
+                <a:schemeClr val="tx2"/>
+              </a:solidFill>
+              <a:cs typeface="Segoe UI" pitchFamily="34" charset="0"/>
+            </a:endParaRPr>
+          </a:p>
+        </p:txBody>
+      </p:sp>
+      <p:pic>
+        <p:nvPicPr>
+          <p:cNvPr id="10" name="図 9" descr="挿絵 が含まれている画像&#10;&#10;自動的に生成された説明">
+            <a:extLst>
+              <a:ext uri="{FF2B5EF4-FFF2-40B4-BE49-F238E27FC236}">
+                <a16:creationId xmlns:a16="http://schemas.microsoft.com/office/drawing/2014/main" id="{BD24FD7A-6A5E-413E-8E25-99EB022B8122}"/>
+              </a:ext>
+            </a:extLst>
+          </p:cNvPr>
+          <p:cNvPicPr>
+            <a:picLocks noChangeAspect="1"/>
+          </p:cNvPicPr>
+          <p:nvPr/>
+        </p:nvPicPr>
+        <p:blipFill>
+          <a:blip r:embed="rId2">
+            <a:extLst>
+              <a:ext uri="{28A0092B-C50C-407E-A947-70E740481C1C}">
+                <a14:useLocalDpi xmlns:a14="http://schemas.microsoft.com/office/drawing/2010/main" val="0"/>
+              </a:ext>
+            </a:extLst>
+          </a:blip>
+          <a:stretch>
+            <a:fillRect/>
+          </a:stretch>
+        </p:blipFill>
+        <p:spPr>
+          <a:xfrm>
+            <a:off x="3191136" y="4408212"/>
+            <a:ext cx="540963" cy="540963"/>
+          </a:xfrm>
+          <a:prstGeom prst="rect">
+            <a:avLst/>
+          </a:prstGeom>
+        </p:spPr>
+      </p:pic>
+      <p:pic>
+        <p:nvPicPr>
+          <p:cNvPr id="11" name="図 10" descr="ゲームのキャラクター&#10;&#10;低い精度で自動的に生成された説明">
+            <a:extLst>
+              <a:ext uri="{FF2B5EF4-FFF2-40B4-BE49-F238E27FC236}">
+                <a16:creationId xmlns:a16="http://schemas.microsoft.com/office/drawing/2014/main" id="{DC717EF7-F53D-47FC-8613-9DD4D9EA8F16}"/>
+              </a:ext>
+            </a:extLst>
+          </p:cNvPr>
+          <p:cNvPicPr>
+            <a:picLocks noChangeAspect="1"/>
+          </p:cNvPicPr>
+          <p:nvPr/>
+        </p:nvPicPr>
+        <p:blipFill>
+          <a:blip r:embed="rId3">
+            <a:extLst>
+              <a:ext uri="{28A0092B-C50C-407E-A947-70E740481C1C}">
+                <a14:useLocalDpi xmlns:a14="http://schemas.microsoft.com/office/drawing/2010/main" val="0"/>
+              </a:ext>
+            </a:extLst>
+          </a:blip>
+          <a:stretch>
+            <a:fillRect/>
+          </a:stretch>
+        </p:blipFill>
+        <p:spPr>
+          <a:xfrm>
+            <a:off x="4699913" y="5215547"/>
+            <a:ext cx="595059" cy="595059"/>
+          </a:xfrm>
+          <a:prstGeom prst="rect">
+            <a:avLst/>
+          </a:prstGeom>
+        </p:spPr>
+      </p:pic>
+      <p:pic>
+        <p:nvPicPr>
+          <p:cNvPr id="12" name="図 11" descr="挿絵 が含まれている画像&#10;&#10;自動的に生成された説明">
+            <a:extLst>
+              <a:ext uri="{FF2B5EF4-FFF2-40B4-BE49-F238E27FC236}">
+                <a16:creationId xmlns:a16="http://schemas.microsoft.com/office/drawing/2014/main" id="{04C58DFB-6601-4348-85D9-3FB9FCCF29A3}"/>
+              </a:ext>
+            </a:extLst>
+          </p:cNvPr>
+          <p:cNvPicPr>
+            <a:picLocks noChangeAspect="1"/>
+          </p:cNvPicPr>
+          <p:nvPr/>
+        </p:nvPicPr>
+        <p:blipFill>
+          <a:blip r:embed="rId2">
+            <a:extLst>
+              <a:ext uri="{28A0092B-C50C-407E-A947-70E740481C1C}">
+                <a14:useLocalDpi xmlns:a14="http://schemas.microsoft.com/office/drawing/2010/main" val="0"/>
+              </a:ext>
+            </a:extLst>
+          </a:blip>
+          <a:stretch>
+            <a:fillRect/>
+          </a:stretch>
+        </p:blipFill>
+        <p:spPr>
+          <a:xfrm>
+            <a:off x="3191136" y="5844777"/>
+            <a:ext cx="540963" cy="540963"/>
+          </a:xfrm>
+          <a:prstGeom prst="rect">
+            <a:avLst/>
+          </a:prstGeom>
+        </p:spPr>
+      </p:pic>
+      <p:pic>
+        <p:nvPicPr>
+          <p:cNvPr id="13" name="図 12" descr="ゲームのキャラクター&#10;&#10;低い精度で自動的に生成された説明">
+            <a:extLst>
+              <a:ext uri="{FF2B5EF4-FFF2-40B4-BE49-F238E27FC236}">
+                <a16:creationId xmlns:a16="http://schemas.microsoft.com/office/drawing/2014/main" id="{1439216A-F555-414F-908C-950118CDB227}"/>
+              </a:ext>
+            </a:extLst>
+          </p:cNvPr>
+          <p:cNvPicPr>
+            <a:picLocks noChangeAspect="1"/>
+          </p:cNvPicPr>
+          <p:nvPr/>
+        </p:nvPicPr>
+        <p:blipFill>
+          <a:blip r:embed="rId3">
+            <a:extLst>
+              <a:ext uri="{28A0092B-C50C-407E-A947-70E740481C1C}">
+                <a14:useLocalDpi xmlns:a14="http://schemas.microsoft.com/office/drawing/2010/main" val="0"/>
+              </a:ext>
+            </a:extLst>
+          </a:blip>
+          <a:stretch>
+            <a:fillRect/>
+          </a:stretch>
+        </p:blipFill>
+        <p:spPr>
+          <a:xfrm>
+            <a:off x="4646071" y="5859508"/>
+            <a:ext cx="540963" cy="540963"/>
+          </a:xfrm>
+          <a:prstGeom prst="rect">
+            <a:avLst/>
+          </a:prstGeom>
+        </p:spPr>
+      </p:pic>
+      <p:grpSp>
+        <p:nvGrpSpPr>
+          <p:cNvPr id="23" name="グループ化 22">
+            <a:extLst>
+              <a:ext uri="{FF2B5EF4-FFF2-40B4-BE49-F238E27FC236}">
+                <a16:creationId xmlns:a16="http://schemas.microsoft.com/office/drawing/2014/main" id="{37608D49-0128-A148-7E1C-2AF1A7EE41E4}"/>
+              </a:ext>
+            </a:extLst>
+          </p:cNvPr>
+          <p:cNvGrpSpPr/>
+          <p:nvPr/>
+        </p:nvGrpSpPr>
+        <p:grpSpPr>
+          <a:xfrm>
+            <a:off x="27298" y="288150"/>
+            <a:ext cx="5787525" cy="2395770"/>
+            <a:chOff x="573352" y="4972382"/>
+            <a:chExt cx="4783078" cy="1799978"/>
+          </a:xfrm>
+        </p:grpSpPr>
+        <p:sp>
+          <p:nvSpPr>
+            <p:cNvPr id="25" name="テキスト ボックス 24">
+              <a:extLst>
+                <a:ext uri="{FF2B5EF4-FFF2-40B4-BE49-F238E27FC236}">
+                  <a16:creationId xmlns:a16="http://schemas.microsoft.com/office/drawing/2014/main" id="{37A6726C-8863-3E88-4985-850D4B8AA11F}"/>
+                </a:ext>
+              </a:extLst>
+            </p:cNvPr>
+            <p:cNvSpPr txBox="1"/>
+            <p:nvPr/>
+          </p:nvSpPr>
+          <p:spPr>
+            <a:xfrm>
+              <a:off x="2333395" y="6407467"/>
+              <a:ext cx="1367826" cy="364893"/>
+            </a:xfrm>
+            <a:prstGeom prst="rect">
+              <a:avLst/>
+            </a:prstGeom>
+            <a:noFill/>
+          </p:spPr>
+          <p:txBody>
+            <a:bodyPr wrap="square" lIns="179285" tIns="143428" rIns="179285" bIns="143428" rtlCol="0">
+              <a:spAutoFit/>
+            </a:bodyPr>
+            <a:lstStyle/>
+            <a:p>
+              <a:pPr>
+                <a:lnSpc>
+                  <a:spcPct val="90000"/>
+                </a:lnSpc>
+                <a:spcAft>
+                  <a:spcPts val="588"/>
+                </a:spcAft>
+              </a:pPr>
+              <a:r>
+                <a:rPr lang="ja-JP" altLang="en-US" sz="1400" dirty="0">
+                  <a:gradFill>
+                    <a:gsLst>
+                      <a:gs pos="2917">
+                        <a:schemeClr val="tx1"/>
+                      </a:gs>
+                      <a:gs pos="30000">
+                        <a:schemeClr val="tx1"/>
+                      </a:gs>
+                    </a:gsLst>
+                    <a:lin ang="5400000" scaled="0"/>
+                  </a:gradFill>
+                </a:rPr>
+                <a:t>② 管理する</a:t>
+              </a:r>
+            </a:p>
+          </p:txBody>
+        </p:sp>
+        <p:sp>
+          <p:nvSpPr>
+            <p:cNvPr id="26" name="テキスト ボックス 25">
+              <a:extLst>
+                <a:ext uri="{FF2B5EF4-FFF2-40B4-BE49-F238E27FC236}">
+                  <a16:creationId xmlns:a16="http://schemas.microsoft.com/office/drawing/2014/main" id="{347DF803-143F-EE90-DC78-B6D272E68DE3}"/>
+                </a:ext>
+              </a:extLst>
+            </p:cNvPr>
+            <p:cNvSpPr txBox="1"/>
+            <p:nvPr/>
+          </p:nvSpPr>
+          <p:spPr>
+            <a:xfrm>
+              <a:off x="573352" y="6402347"/>
+              <a:ext cx="1367826" cy="364893"/>
+            </a:xfrm>
+            <a:prstGeom prst="rect">
+              <a:avLst/>
+            </a:prstGeom>
+            <a:noFill/>
+          </p:spPr>
+          <p:txBody>
+            <a:bodyPr wrap="square" lIns="179285" tIns="143428" rIns="179285" bIns="143428" rtlCol="0">
+              <a:spAutoFit/>
+            </a:bodyPr>
+            <a:lstStyle/>
+            <a:p>
+              <a:pPr>
+                <a:lnSpc>
+                  <a:spcPct val="90000"/>
+                </a:lnSpc>
+                <a:spcAft>
+                  <a:spcPts val="588"/>
+                </a:spcAft>
+              </a:pPr>
+              <a:r>
+                <a:rPr lang="ja-JP" altLang="en-US" sz="1400" dirty="0">
+                  <a:gradFill>
+                    <a:gsLst>
+                      <a:gs pos="2917">
+                        <a:schemeClr val="tx1"/>
+                      </a:gs>
+                      <a:gs pos="30000">
+                        <a:schemeClr val="tx1"/>
+                      </a:gs>
+                    </a:gsLst>
+                    <a:lin ang="5400000" scaled="0"/>
+                  </a:gradFill>
+                </a:rPr>
+                <a:t>③ 実装する</a:t>
+              </a:r>
+            </a:p>
+          </p:txBody>
+        </p:sp>
+        <p:sp>
+          <p:nvSpPr>
+            <p:cNvPr id="27" name="テキスト ボックス 26">
+              <a:extLst>
+                <a:ext uri="{FF2B5EF4-FFF2-40B4-BE49-F238E27FC236}">
+                  <a16:creationId xmlns:a16="http://schemas.microsoft.com/office/drawing/2014/main" id="{E82CF3DC-4EB5-11EA-CAFF-C909348E1A6B}"/>
+                </a:ext>
+              </a:extLst>
+            </p:cNvPr>
+            <p:cNvSpPr txBox="1"/>
+            <p:nvPr/>
+          </p:nvSpPr>
+          <p:spPr>
+            <a:xfrm>
+              <a:off x="3988604" y="6399028"/>
+              <a:ext cx="1367826" cy="364893"/>
+            </a:xfrm>
+            <a:prstGeom prst="rect">
+              <a:avLst/>
+            </a:prstGeom>
+            <a:noFill/>
+          </p:spPr>
+          <p:txBody>
+            <a:bodyPr wrap="square" lIns="179285" tIns="143428" rIns="179285" bIns="143428" rtlCol="0">
+              <a:spAutoFit/>
+            </a:bodyPr>
+            <a:lstStyle/>
+            <a:p>
+              <a:pPr>
+                <a:lnSpc>
+                  <a:spcPct val="90000"/>
+                </a:lnSpc>
+                <a:spcAft>
+                  <a:spcPts val="588"/>
+                </a:spcAft>
+              </a:pPr>
+              <a:r>
+                <a:rPr lang="ja-JP" altLang="en-US" sz="1400" dirty="0">
+                  <a:gradFill>
+                    <a:gsLst>
+                      <a:gs pos="2917">
+                        <a:schemeClr val="tx1"/>
+                      </a:gs>
+                      <a:gs pos="30000">
+                        <a:schemeClr val="tx1"/>
+                      </a:gs>
+                    </a:gsLst>
+                    <a:lin ang="5400000" scaled="0"/>
+                  </a:gradFill>
+                </a:rPr>
+                <a:t>③ 実装する</a:t>
+              </a:r>
+            </a:p>
+          </p:txBody>
+        </p:sp>
+        <p:pic>
+          <p:nvPicPr>
+            <p:cNvPr id="14" name="グラフィックス 13">
+              <a:extLst>
+                <a:ext uri="{FF2B5EF4-FFF2-40B4-BE49-F238E27FC236}">
+                  <a16:creationId xmlns:a16="http://schemas.microsoft.com/office/drawing/2014/main" id="{6DD9F129-BE1A-3A0A-D345-59A3C8194912}"/>
+                </a:ext>
+              </a:extLst>
+            </p:cNvPr>
+            <p:cNvPicPr>
+              <a:picLocks noChangeAspect="1"/>
+            </p:cNvPicPr>
+            <p:nvPr/>
+          </p:nvPicPr>
+          <p:blipFill>
+            <a:blip r:embed="rId4">
+              <a:extLst>
+                <a:ext uri="{28A0092B-C50C-407E-A947-70E740481C1C}">
+                  <a14:useLocalDpi xmlns:a14="http://schemas.microsoft.com/office/drawing/2010/main" val="0"/>
+                </a:ext>
+                <a:ext uri="{96DAC541-7B7A-43D3-8B79-37D633B846F1}">
+                  <asvg:svgBlip xmlns:asvg="http://schemas.microsoft.com/office/drawing/2016/SVG/main" r:embed="rId5"/>
+                </a:ext>
+              </a:extLst>
+            </a:blip>
+            <a:stretch>
+              <a:fillRect/>
+            </a:stretch>
+          </p:blipFill>
+          <p:spPr>
+            <a:xfrm>
+              <a:off x="2720098" y="6041097"/>
+              <a:ext cx="526947" cy="526947"/>
+            </a:xfrm>
+            <a:prstGeom prst="rect">
+              <a:avLst/>
+            </a:prstGeom>
+          </p:spPr>
+        </p:pic>
+        <p:pic>
+          <p:nvPicPr>
+            <p:cNvPr id="15" name="グラフィックス 14">
+              <a:extLst>
+                <a:ext uri="{FF2B5EF4-FFF2-40B4-BE49-F238E27FC236}">
+                  <a16:creationId xmlns:a16="http://schemas.microsoft.com/office/drawing/2014/main" id="{CC5AAF60-973A-4DA8-F25B-57B2D7B92DB7}"/>
+                </a:ext>
+              </a:extLst>
+            </p:cNvPr>
+            <p:cNvPicPr>
+              <a:picLocks noChangeAspect="1"/>
+            </p:cNvPicPr>
+            <p:nvPr/>
+          </p:nvPicPr>
+          <p:blipFill>
+            <a:blip r:embed="rId6">
+              <a:extLst>
+                <a:ext uri="{28A0092B-C50C-407E-A947-70E740481C1C}">
+                  <a14:useLocalDpi xmlns:a14="http://schemas.microsoft.com/office/drawing/2010/main" val="0"/>
+                </a:ext>
+                <a:ext uri="{96DAC541-7B7A-43D3-8B79-37D633B846F1}">
+                  <asvg:svgBlip xmlns:asvg="http://schemas.microsoft.com/office/drawing/2016/SVG/main" r:embed="rId7"/>
+                </a:ext>
+              </a:extLst>
+            </a:blip>
+            <a:stretch>
+              <a:fillRect/>
+            </a:stretch>
+          </p:blipFill>
+          <p:spPr>
+            <a:xfrm>
+              <a:off x="4358181" y="6067742"/>
+              <a:ext cx="419810" cy="419810"/>
+            </a:xfrm>
+            <a:prstGeom prst="rect">
+              <a:avLst/>
+            </a:prstGeom>
+          </p:spPr>
+        </p:pic>
+        <p:pic>
+          <p:nvPicPr>
+            <p:cNvPr id="16" name="Picture 2">
+              <a:extLst>
+                <a:ext uri="{FF2B5EF4-FFF2-40B4-BE49-F238E27FC236}">
+                  <a16:creationId xmlns:a16="http://schemas.microsoft.com/office/drawing/2014/main" id="{B08336AA-E506-400A-3042-919B49A0CE1E}"/>
+                </a:ext>
+              </a:extLst>
+            </p:cNvPr>
+            <p:cNvPicPr>
+              <a:picLocks noChangeAspect="1" noChangeArrowheads="1"/>
+            </p:cNvPicPr>
+            <p:nvPr/>
+          </p:nvPicPr>
+          <p:blipFill>
+            <a:blip r:embed="rId8">
+              <a:extLst>
+                <a:ext uri="{28A0092B-C50C-407E-A947-70E740481C1C}">
+                  <a14:useLocalDpi xmlns:a14="http://schemas.microsoft.com/office/drawing/2010/main" val="0"/>
+                </a:ext>
+              </a:extLst>
+            </a:blip>
+            <a:srcRect/>
+            <a:stretch>
+              <a:fillRect/>
+            </a:stretch>
+          </p:blipFill>
+          <p:spPr bwMode="auto">
+            <a:xfrm>
+              <a:off x="971560" y="6086825"/>
+              <a:ext cx="435493" cy="435493"/>
+            </a:xfrm>
+            <a:prstGeom prst="rect">
+              <a:avLst/>
+            </a:prstGeom>
+            <a:noFill/>
+            <a:extLst>
+              <a:ext uri="{909E8E84-426E-40DD-AFC4-6F175D3DCCD1}">
+                <a14:hiddenFill xmlns:a14="http://schemas.microsoft.com/office/drawing/2010/main">
+                  <a:solidFill>
+                    <a:srgbClr val="FFFFFF"/>
+                  </a:solidFill>
+                </a14:hiddenFill>
+              </a:ext>
+            </a:extLst>
+          </p:spPr>
+        </p:pic>
+        <p:cxnSp>
+          <p:nvCxnSpPr>
+            <p:cNvPr id="17" name="直線矢印コネクタ 16">
+              <a:extLst>
+                <a:ext uri="{FF2B5EF4-FFF2-40B4-BE49-F238E27FC236}">
+                  <a16:creationId xmlns:a16="http://schemas.microsoft.com/office/drawing/2014/main" id="{EE7FDC02-795E-28B5-6B6A-6210A846E576}"/>
+                </a:ext>
+              </a:extLst>
+            </p:cNvPr>
+            <p:cNvCxnSpPr>
+              <a:cxnSpLocks/>
+              <a:stCxn id="19" idx="2"/>
+              <a:endCxn id="14" idx="0"/>
+            </p:cNvCxnSpPr>
+            <p:nvPr/>
+          </p:nvCxnSpPr>
+          <p:spPr>
+            <a:xfrm flipH="1">
+              <a:off x="2983572" y="5533874"/>
+              <a:ext cx="1" cy="507223"/>
+            </a:xfrm>
+            <a:prstGeom prst="straightConnector1">
+              <a:avLst/>
+            </a:prstGeom>
+            <a:ln w="28575">
+              <a:solidFill>
+                <a:schemeClr val="accent1"/>
+              </a:solidFill>
+              <a:prstDash val="dash"/>
+              <a:headEnd type="none" w="med" len="med"/>
+              <a:tailEnd type="arrow" w="med" len="med"/>
+            </a:ln>
+          </p:spPr>
+          <p:style>
+            <a:lnRef idx="1">
+              <a:schemeClr val="accent1"/>
+            </a:lnRef>
+            <a:fillRef idx="0">
+              <a:schemeClr val="accent1"/>
+            </a:fillRef>
+            <a:effectRef idx="0">
+              <a:schemeClr val="accent1"/>
+            </a:effectRef>
+            <a:fontRef idx="minor">
+              <a:schemeClr val="tx1"/>
+            </a:fontRef>
+          </p:style>
+        </p:cxnSp>
+        <p:sp>
+          <p:nvSpPr>
+            <p:cNvPr id="19" name="四角形: メモ 18">
+              <a:extLst>
+                <a:ext uri="{FF2B5EF4-FFF2-40B4-BE49-F238E27FC236}">
+                  <a16:creationId xmlns:a16="http://schemas.microsoft.com/office/drawing/2014/main" id="{1F79724C-8A33-00DF-3EEC-8A21340AEC8B}"/>
+                </a:ext>
+              </a:extLst>
+            </p:cNvPr>
+            <p:cNvSpPr/>
+            <p:nvPr/>
+          </p:nvSpPr>
+          <p:spPr bwMode="auto">
+            <a:xfrm>
+              <a:off x="2696630" y="4972382"/>
+              <a:ext cx="573885" cy="561492"/>
+            </a:xfrm>
+            <a:prstGeom prst="foldedCorner">
+              <a:avLst/>
+            </a:prstGeom>
+            <a:ln>
+              <a:headEnd type="none" w="med" len="med"/>
+              <a:tailEnd type="none" w="med" len="med"/>
+            </a:ln>
+          </p:spPr>
+          <p:style>
+            <a:lnRef idx="2">
+              <a:schemeClr val="accent1"/>
+            </a:lnRef>
+            <a:fillRef idx="1">
+              <a:schemeClr val="lt1"/>
+            </a:fillRef>
+            <a:effectRef idx="0">
+              <a:schemeClr val="accent1"/>
+            </a:effectRef>
+            <a:fontRef idx="minor">
+              <a:schemeClr val="dk1"/>
+            </a:fontRef>
+          </p:style>
+          <p:txBody>
+            <a:bodyPr rot="0" spcFirstLastPara="0" vertOverflow="overflow" horzOverflow="overflow" vert="horz" wrap="square" lIns="179285" tIns="143428" rIns="179285" bIns="143428" numCol="1" spcCol="0" rtlCol="0" fromWordArt="0" anchor="ctr" anchorCtr="0" forceAA="0" compatLnSpc="1">
+              <a:prstTxWarp prst="textNoShape">
+                <a:avLst/>
+              </a:prstTxWarp>
+              <a:noAutofit/>
+            </a:bodyPr>
+            <a:lstStyle/>
+            <a:p>
+              <a:pPr algn="ctr" defTabSz="914102" fontAlgn="base">
+                <a:lnSpc>
+                  <a:spcPct val="90000"/>
+                </a:lnSpc>
+                <a:spcBef>
+                  <a:spcPct val="0"/>
+                </a:spcBef>
+                <a:spcAft>
+                  <a:spcPct val="0"/>
+                </a:spcAft>
+              </a:pPr>
+              <a:endParaRPr lang="ja-JP" altLang="en-US" sz="2000" dirty="0">
+                <a:solidFill>
+                  <a:schemeClr val="tx2"/>
+                </a:solidFill>
+                <a:cs typeface="Segoe UI" pitchFamily="34" charset="0"/>
+              </a:endParaRPr>
+            </a:p>
+          </p:txBody>
+        </p:sp>
+        <p:sp>
+          <p:nvSpPr>
+            <p:cNvPr id="20" name="テキスト ボックス 19">
+              <a:extLst>
+                <a:ext uri="{FF2B5EF4-FFF2-40B4-BE49-F238E27FC236}">
+                  <a16:creationId xmlns:a16="http://schemas.microsoft.com/office/drawing/2014/main" id="{C1970BEE-F588-B408-3825-EA8B2D9D96EE}"/>
+                </a:ext>
+              </a:extLst>
+            </p:cNvPr>
+            <p:cNvSpPr txBox="1"/>
+            <p:nvPr/>
+          </p:nvSpPr>
+          <p:spPr>
+            <a:xfrm>
+              <a:off x="2299659" y="5025544"/>
+              <a:ext cx="1433215" cy="364893"/>
+            </a:xfrm>
+            <a:prstGeom prst="rect">
+              <a:avLst/>
+            </a:prstGeom>
+            <a:noFill/>
+          </p:spPr>
+          <p:txBody>
+            <a:bodyPr wrap="square" lIns="179285" tIns="143428" rIns="179285" bIns="143428" rtlCol="0">
+              <a:spAutoFit/>
+            </a:bodyPr>
+            <a:lstStyle/>
+            <a:p>
+              <a:pPr>
+                <a:lnSpc>
+                  <a:spcPct val="90000"/>
+                </a:lnSpc>
+                <a:spcAft>
+                  <a:spcPts val="588"/>
+                </a:spcAft>
+              </a:pPr>
+              <a:r>
+                <a:rPr lang="ja-JP" altLang="en-US" sz="1400" dirty="0">
+                  <a:gradFill>
+                    <a:gsLst>
+                      <a:gs pos="2917">
+                        <a:schemeClr val="tx1"/>
+                      </a:gs>
+                      <a:gs pos="30000">
+                        <a:schemeClr val="tx1"/>
+                      </a:gs>
+                    </a:gsLst>
+                    <a:lin ang="5400000" scaled="0"/>
+                  </a:gradFill>
+                </a:rPr>
+                <a:t>① 仕様を決める</a:t>
+              </a:r>
+            </a:p>
+          </p:txBody>
+        </p:sp>
+        <p:cxnSp>
+          <p:nvCxnSpPr>
+            <p:cNvPr id="21" name="コネクタ: カギ線 20">
+              <a:extLst>
+                <a:ext uri="{FF2B5EF4-FFF2-40B4-BE49-F238E27FC236}">
+                  <a16:creationId xmlns:a16="http://schemas.microsoft.com/office/drawing/2014/main" id="{790F1804-1FA4-EE91-642B-C4338687D145}"/>
+                </a:ext>
+              </a:extLst>
+            </p:cNvPr>
+            <p:cNvCxnSpPr>
+              <a:cxnSpLocks/>
+              <a:stCxn id="20" idx="3"/>
+              <a:endCxn id="15" idx="0"/>
+            </p:cNvCxnSpPr>
+            <p:nvPr/>
+          </p:nvCxnSpPr>
+          <p:spPr>
+            <a:xfrm>
+              <a:off x="3732874" y="5207991"/>
+              <a:ext cx="835212" cy="859752"/>
+            </a:xfrm>
+            <a:prstGeom prst="bentConnector2">
+              <a:avLst/>
+            </a:prstGeom>
+            <a:ln w="28575">
+              <a:solidFill>
+                <a:schemeClr val="accent1"/>
+              </a:solidFill>
+              <a:prstDash val="dash"/>
+              <a:headEnd type="none" w="med" len="med"/>
+              <a:tailEnd type="arrow" w="med" len="med"/>
+            </a:ln>
+          </p:spPr>
+          <p:style>
+            <a:lnRef idx="1">
+              <a:schemeClr val="accent1"/>
+            </a:lnRef>
+            <a:fillRef idx="0">
+              <a:schemeClr val="accent1"/>
+            </a:fillRef>
+            <a:effectRef idx="0">
+              <a:schemeClr val="accent1"/>
+            </a:effectRef>
+            <a:fontRef idx="minor">
+              <a:schemeClr val="tx1"/>
+            </a:fontRef>
+          </p:style>
+        </p:cxnSp>
+        <p:cxnSp>
+          <p:nvCxnSpPr>
+            <p:cNvPr id="22" name="コネクタ: カギ線 21">
+              <a:extLst>
+                <a:ext uri="{FF2B5EF4-FFF2-40B4-BE49-F238E27FC236}">
+                  <a16:creationId xmlns:a16="http://schemas.microsoft.com/office/drawing/2014/main" id="{C4D4D260-C9EB-E7CE-ECA0-A8DFA1DA8949}"/>
+                </a:ext>
+              </a:extLst>
+            </p:cNvPr>
+            <p:cNvCxnSpPr>
+              <a:cxnSpLocks/>
+              <a:stCxn id="20" idx="1"/>
+              <a:endCxn id="16" idx="0"/>
+            </p:cNvCxnSpPr>
+            <p:nvPr/>
+          </p:nvCxnSpPr>
+          <p:spPr>
+            <a:xfrm rot="10800000" flipV="1">
+              <a:off x="1189307" y="5207991"/>
+              <a:ext cx="1110352" cy="878834"/>
+            </a:xfrm>
+            <a:prstGeom prst="bentConnector2">
+              <a:avLst/>
+            </a:prstGeom>
+            <a:ln w="28575">
+              <a:solidFill>
+                <a:schemeClr val="accent1"/>
+              </a:solidFill>
+              <a:prstDash val="dash"/>
+              <a:headEnd type="none" w="med" len="med"/>
+              <a:tailEnd type="arrow" w="med" len="med"/>
+            </a:ln>
+          </p:spPr>
+          <p:style>
+            <a:lnRef idx="1">
+              <a:schemeClr val="accent1"/>
+            </a:lnRef>
+            <a:fillRef idx="0">
+              <a:schemeClr val="accent1"/>
+            </a:fillRef>
+            <a:effectRef idx="0">
+              <a:schemeClr val="accent1"/>
+            </a:effectRef>
+            <a:fontRef idx="minor">
+              <a:schemeClr val="tx1"/>
+            </a:fontRef>
+          </p:style>
+        </p:cxnSp>
+        <p:cxnSp>
+          <p:nvCxnSpPr>
+            <p:cNvPr id="29" name="直線矢印コネクタ 28">
+              <a:extLst>
+                <a:ext uri="{FF2B5EF4-FFF2-40B4-BE49-F238E27FC236}">
+                  <a16:creationId xmlns:a16="http://schemas.microsoft.com/office/drawing/2014/main" id="{BBF00FED-A71A-D7E2-52D6-AC8FE211E62B}"/>
+                </a:ext>
+              </a:extLst>
+            </p:cNvPr>
+            <p:cNvCxnSpPr/>
+            <p:nvPr/>
+          </p:nvCxnSpPr>
+          <p:spPr>
+            <a:xfrm>
+              <a:off x="1524829" y="6304570"/>
+              <a:ext cx="2674084" cy="9837"/>
+            </a:xfrm>
+            <a:prstGeom prst="straightConnector1">
+              <a:avLst/>
+            </a:prstGeom>
+            <a:ln w="28575">
+              <a:solidFill>
+                <a:schemeClr val="accent2"/>
+              </a:solidFill>
+              <a:headEnd type="none" w="med" len="med"/>
+              <a:tailEnd type="arrow" w="med" len="med"/>
+            </a:ln>
+          </p:spPr>
+          <p:style>
+            <a:lnRef idx="1">
+              <a:schemeClr val="accent1"/>
+            </a:lnRef>
+            <a:fillRef idx="0">
+              <a:schemeClr val="accent1"/>
+            </a:fillRef>
+            <a:effectRef idx="0">
+              <a:schemeClr val="accent1"/>
+            </a:effectRef>
+            <a:fontRef idx="minor">
+              <a:schemeClr val="tx1"/>
+            </a:fontRef>
+          </p:style>
+        </p:cxnSp>
+        <p:sp>
+          <p:nvSpPr>
+            <p:cNvPr id="30" name="テキスト ボックス 29">
+              <a:extLst>
+                <a:ext uri="{FF2B5EF4-FFF2-40B4-BE49-F238E27FC236}">
+                  <a16:creationId xmlns:a16="http://schemas.microsoft.com/office/drawing/2014/main" id="{0AAAFC52-E60B-FAC1-B9BA-0FC91E5A08BC}"/>
+                </a:ext>
+              </a:extLst>
+            </p:cNvPr>
+            <p:cNvSpPr txBox="1"/>
+            <p:nvPr/>
+          </p:nvSpPr>
+          <p:spPr>
+            <a:xfrm>
+              <a:off x="1556858" y="5905770"/>
+              <a:ext cx="1367826" cy="364893"/>
+            </a:xfrm>
+            <a:prstGeom prst="rect">
+              <a:avLst/>
+            </a:prstGeom>
+            <a:noFill/>
+          </p:spPr>
+          <p:txBody>
+            <a:bodyPr wrap="square" lIns="179285" tIns="143428" rIns="179285" bIns="143428" rtlCol="0">
+              <a:spAutoFit/>
+            </a:bodyPr>
+            <a:lstStyle/>
+            <a:p>
+              <a:pPr>
+                <a:lnSpc>
+                  <a:spcPct val="90000"/>
+                </a:lnSpc>
+                <a:spcAft>
+                  <a:spcPts val="588"/>
+                </a:spcAft>
+              </a:pPr>
+              <a:r>
+                <a:rPr lang="ja-JP" altLang="en-US" sz="1400" dirty="0">
+                  <a:gradFill>
+                    <a:gsLst>
+                      <a:gs pos="2917">
+                        <a:schemeClr val="tx1"/>
+                      </a:gs>
+                      <a:gs pos="30000">
+                        <a:schemeClr val="tx1"/>
+                      </a:gs>
+                    </a:gsLst>
+                    <a:lin ang="5400000" scaled="0"/>
+                  </a:gradFill>
+                </a:rPr>
+                <a:t>④ 利用する</a:t>
+              </a:r>
+            </a:p>
+          </p:txBody>
+        </p:sp>
+      </p:grpSp>
+    </p:spTree>
+    <p:extLst>
+      <p:ext uri="{BB962C8B-B14F-4D97-AF65-F5344CB8AC3E}">
+        <p14:creationId xmlns:p14="http://schemas.microsoft.com/office/powerpoint/2010/main" val="2803296889"/>
+      </p:ext>
+    </p:extLst>
+  </p:cSld>
+  <p:clrMapOvr>
+    <a:masterClrMapping/>
+  </p:clrMapOvr>
+</p:sld>
+</file>
+
+<file path=ppt/slides/slide3.xml><?xml version="1.0" encoding="utf-8"?>
+<p:sld xmlns:a="http://schemas.openxmlformats.org/drawingml/2006/main" xmlns:r="http://schemas.openxmlformats.org/officeDocument/2006/relationships" xmlns:p="http://schemas.openxmlformats.org/presentationml/2006/main">
+  <p:cSld>
+    <p:spTree>
+      <p:nvGrpSpPr>
+        <p:cNvPr id="1" name=""/>
+        <p:cNvGrpSpPr/>
+        <p:nvPr/>
+      </p:nvGrpSpPr>
+      <p:grpSpPr>
+        <a:xfrm>
+          <a:off x="0" y="0"/>
+          <a:ext cx="0" cy="0"/>
+          <a:chOff x="0" y="0"/>
+          <a:chExt cx="0" cy="0"/>
+        </a:xfrm>
+      </p:grpSpPr>
+      <p:pic>
+        <p:nvPicPr>
+          <p:cNvPr id="2" name="図 1">
+            <a:extLst>
+              <a:ext uri="{FF2B5EF4-FFF2-40B4-BE49-F238E27FC236}">
+                <a16:creationId xmlns:a16="http://schemas.microsoft.com/office/drawing/2014/main" id="{7E5CA690-CD4C-ADB9-AC0F-2690FD1063EC}"/>
+              </a:ext>
+            </a:extLst>
+          </p:cNvPr>
+          <p:cNvPicPr>
+            <a:picLocks noChangeAspect="1"/>
+          </p:cNvPicPr>
+          <p:nvPr/>
+        </p:nvPicPr>
+        <p:blipFill rotWithShape="1">
+          <a:blip r:embed="rId2"/>
+          <a:srcRect r="22041"/>
+          <a:stretch/>
+        </p:blipFill>
+        <p:spPr>
+          <a:xfrm>
+            <a:off x="179962" y="92440"/>
+            <a:ext cx="3387328" cy="1608683"/>
+          </a:xfrm>
+          <a:prstGeom prst="rect">
+            <a:avLst/>
+          </a:prstGeom>
+          <a:ln>
+            <a:noFill/>
+          </a:ln>
+          <a:effectLst>
+            <a:outerShdw blurRad="292100" dist="139700" dir="2700000" algn="tl" rotWithShape="0">
+              <a:srgbClr val="333333">
+                <a:alpha val="65000"/>
+              </a:srgbClr>
+            </a:outerShdw>
+          </a:effectLst>
+        </p:spPr>
+      </p:pic>
+      <p:pic>
+        <p:nvPicPr>
+          <p:cNvPr id="3" name="図 2">
+            <a:extLst>
+              <a:ext uri="{FF2B5EF4-FFF2-40B4-BE49-F238E27FC236}">
+                <a16:creationId xmlns:a16="http://schemas.microsoft.com/office/drawing/2014/main" id="{9F90BC70-1231-B370-9329-86D88088FD6D}"/>
+              </a:ext>
+            </a:extLst>
+          </p:cNvPr>
+          <p:cNvPicPr>
+            <a:picLocks noChangeAspect="1"/>
+          </p:cNvPicPr>
+          <p:nvPr/>
+        </p:nvPicPr>
+        <p:blipFill rotWithShape="1">
+          <a:blip r:embed="rId3"/>
+          <a:srcRect r="23891" b="29364"/>
+          <a:stretch/>
+        </p:blipFill>
+        <p:spPr>
+          <a:xfrm>
+            <a:off x="3917904" y="92441"/>
+            <a:ext cx="3306985" cy="2932982"/>
+          </a:xfrm>
+          <a:prstGeom prst="rect">
+            <a:avLst/>
+          </a:prstGeom>
+          <a:ln>
+            <a:noFill/>
+          </a:ln>
+          <a:effectLst>
+            <a:outerShdw blurRad="292100" dist="139700" dir="2700000" algn="tl" rotWithShape="0">
+              <a:srgbClr val="333333">
+                <a:alpha val="65000"/>
+              </a:srgbClr>
+            </a:outerShdw>
+          </a:effectLst>
+        </p:spPr>
+      </p:pic>
+      <p:sp>
+        <p:nvSpPr>
+          <p:cNvPr id="4" name="角丸四角形 3">
+            <a:extLst>
+              <a:ext uri="{FF2B5EF4-FFF2-40B4-BE49-F238E27FC236}">
+                <a16:creationId xmlns:a16="http://schemas.microsoft.com/office/drawing/2014/main" id="{584F8EF0-7F79-D405-0D3C-FF0D7E2E049B}"/>
+              </a:ext>
+            </a:extLst>
+          </p:cNvPr>
+          <p:cNvSpPr/>
+          <p:nvPr/>
+        </p:nvSpPr>
+        <p:spPr>
+          <a:xfrm>
+            <a:off x="2013770" y="775367"/>
+            <a:ext cx="894414" cy="660401"/>
+          </a:xfrm>
+          <a:prstGeom prst="roundRect">
+            <a:avLst/>
+          </a:prstGeom>
+          <a:noFill/>
+          <a:ln w="28575">
+            <a:solidFill>
+              <a:srgbClr val="FF0000"/>
+            </a:solidFill>
+          </a:ln>
+        </p:spPr>
+        <p:style>
+          <a:lnRef idx="2">
+            <a:schemeClr val="accent1">
+              <a:shade val="50000"/>
+            </a:schemeClr>
+          </a:lnRef>
+          <a:fillRef idx="1">
+            <a:schemeClr val="accent1"/>
+          </a:fillRef>
+          <a:effectRef idx="0">
+            <a:schemeClr val="accent1"/>
+          </a:effectRef>
+          <a:fontRef idx="minor">
+            <a:schemeClr val="lt1"/>
+          </a:fontRef>
+        </p:style>
+        <p:txBody>
+          <a:bodyPr rtlCol="0" anchor="ctr"/>
+          <a:lstStyle/>
+          <a:p>
+            <a:pPr algn="ctr"/>
+            <a:endParaRPr kumimoji="1" lang="ja-JP" altLang="en-US"/>
+          </a:p>
+        </p:txBody>
+      </p:sp>
+      <p:sp>
+        <p:nvSpPr>
+          <p:cNvPr id="5" name="角丸四角形 4">
+            <a:extLst>
+              <a:ext uri="{FF2B5EF4-FFF2-40B4-BE49-F238E27FC236}">
+                <a16:creationId xmlns:a16="http://schemas.microsoft.com/office/drawing/2014/main" id="{DB277741-E61A-B89F-E27C-9724897D38CC}"/>
+              </a:ext>
+            </a:extLst>
+          </p:cNvPr>
+          <p:cNvSpPr/>
+          <p:nvPr/>
+        </p:nvSpPr>
+        <p:spPr>
+          <a:xfrm>
+            <a:off x="5304505" y="1675641"/>
+            <a:ext cx="1684637" cy="864474"/>
+          </a:xfrm>
+          <a:prstGeom prst="roundRect">
+            <a:avLst/>
+          </a:prstGeom>
+          <a:noFill/>
+          <a:ln w="28575">
+            <a:solidFill>
+              <a:srgbClr val="FF0000"/>
+            </a:solidFill>
+          </a:ln>
+        </p:spPr>
+        <p:style>
+          <a:lnRef idx="2">
+            <a:schemeClr val="accent1">
+              <a:shade val="50000"/>
+            </a:schemeClr>
+          </a:lnRef>
+          <a:fillRef idx="1">
+            <a:schemeClr val="accent1"/>
+          </a:fillRef>
+          <a:effectRef idx="0">
+            <a:schemeClr val="accent1"/>
+          </a:effectRef>
+          <a:fontRef idx="minor">
+            <a:schemeClr val="lt1"/>
+          </a:fontRef>
+        </p:style>
+        <p:txBody>
+          <a:bodyPr rtlCol="0" anchor="ctr"/>
+          <a:lstStyle/>
+          <a:p>
+            <a:pPr algn="ctr"/>
+            <a:endParaRPr kumimoji="1" lang="ja-JP" altLang="en-US"/>
+          </a:p>
+        </p:txBody>
+      </p:sp>
+      <p:pic>
+        <p:nvPicPr>
+          <p:cNvPr id="6" name="図 5">
+            <a:extLst>
+              <a:ext uri="{FF2B5EF4-FFF2-40B4-BE49-F238E27FC236}">
+                <a16:creationId xmlns:a16="http://schemas.microsoft.com/office/drawing/2014/main" id="{E4BA161F-C5A1-B4DC-EC16-8459C1F895A2}"/>
+              </a:ext>
+            </a:extLst>
+          </p:cNvPr>
+          <p:cNvPicPr>
+            <a:picLocks noChangeAspect="1"/>
+          </p:cNvPicPr>
+          <p:nvPr/>
+        </p:nvPicPr>
+        <p:blipFill>
+          <a:blip r:embed="rId4"/>
+          <a:stretch>
+            <a:fillRect/>
+          </a:stretch>
+        </p:blipFill>
+        <p:spPr>
+          <a:xfrm>
+            <a:off x="7575503" y="117928"/>
+            <a:ext cx="4266165" cy="2405139"/>
+          </a:xfrm>
+          <a:prstGeom prst="rect">
+            <a:avLst/>
+          </a:prstGeom>
+          <a:ln>
+            <a:noFill/>
+          </a:ln>
+          <a:effectLst>
+            <a:outerShdw blurRad="292100" dist="139700" dir="2700000" algn="tl" rotWithShape="0">
+              <a:srgbClr val="333333">
+                <a:alpha val="65000"/>
+              </a:srgbClr>
+            </a:outerShdw>
+          </a:effectLst>
+        </p:spPr>
+      </p:pic>
+      <p:sp>
+        <p:nvSpPr>
+          <p:cNvPr id="7" name="角丸四角形 6">
+            <a:extLst>
+              <a:ext uri="{FF2B5EF4-FFF2-40B4-BE49-F238E27FC236}">
+                <a16:creationId xmlns:a16="http://schemas.microsoft.com/office/drawing/2014/main" id="{495EC790-3100-2277-E9ED-2BD2978FADFF}"/>
+              </a:ext>
+            </a:extLst>
+          </p:cNvPr>
+          <p:cNvSpPr/>
+          <p:nvPr/>
+        </p:nvSpPr>
+        <p:spPr>
+          <a:xfrm>
+            <a:off x="9934664" y="1982424"/>
+            <a:ext cx="1150630" cy="487973"/>
+          </a:xfrm>
+          <a:prstGeom prst="roundRect">
+            <a:avLst/>
+          </a:prstGeom>
+          <a:noFill/>
+          <a:ln w="28575">
+            <a:solidFill>
+              <a:srgbClr val="FF0000"/>
+            </a:solidFill>
+          </a:ln>
+        </p:spPr>
+        <p:style>
+          <a:lnRef idx="2">
+            <a:schemeClr val="accent1">
+              <a:shade val="50000"/>
+            </a:schemeClr>
+          </a:lnRef>
+          <a:fillRef idx="1">
+            <a:schemeClr val="accent1"/>
+          </a:fillRef>
+          <a:effectRef idx="0">
+            <a:schemeClr val="accent1"/>
+          </a:effectRef>
+          <a:fontRef idx="minor">
+            <a:schemeClr val="lt1"/>
+          </a:fontRef>
+        </p:style>
+        <p:txBody>
+          <a:bodyPr rtlCol="0" anchor="ctr"/>
+          <a:lstStyle/>
+          <a:p>
+            <a:pPr algn="ctr"/>
+            <a:endParaRPr kumimoji="1" lang="ja-JP" altLang="en-US"/>
+          </a:p>
+        </p:txBody>
+      </p:sp>
+    </p:spTree>
+    <p:extLst>
+      <p:ext uri="{BB962C8B-B14F-4D97-AF65-F5344CB8AC3E}">
+        <p14:creationId xmlns:p14="http://schemas.microsoft.com/office/powerpoint/2010/main" val="1261112302"/>
+      </p:ext>
+    </p:extLst>
+  </p:cSld>
+  <p:clrMapOvr>
+    <a:masterClrMapping/>
+  </p:clrMapOvr>
+</p:sld>
+</file>
+
+<file path=ppt/slides/slide4.xml><?xml version="1.0" encoding="utf-8"?>
+<p:sld xmlns:a="http://schemas.openxmlformats.org/drawingml/2006/main" xmlns:r="http://schemas.openxmlformats.org/officeDocument/2006/relationships" xmlns:p="http://schemas.openxmlformats.org/presentationml/2006/main">
+  <p:cSld>
+    <p:spTree>
+      <p:nvGrpSpPr>
+        <p:cNvPr id="1" name=""/>
+        <p:cNvGrpSpPr/>
+        <p:nvPr/>
+      </p:nvGrpSpPr>
+      <p:grpSpPr>
+        <a:xfrm>
+          <a:off x="0" y="0"/>
+          <a:ext cx="0" cy="0"/>
+          <a:chOff x="0" y="0"/>
+          <a:chExt cx="0" cy="0"/>
+        </a:xfrm>
+      </p:grpSpPr>
+      <p:pic>
+        <p:nvPicPr>
+          <p:cNvPr id="2" name="図 1">
+            <a:extLst>
+              <a:ext uri="{FF2B5EF4-FFF2-40B4-BE49-F238E27FC236}">
+                <a16:creationId xmlns:a16="http://schemas.microsoft.com/office/drawing/2014/main" id="{2105F027-F041-0A76-94EB-AE037494F292}"/>
+              </a:ext>
+            </a:extLst>
+          </p:cNvPr>
+          <p:cNvPicPr>
+            <a:picLocks noChangeAspect="1"/>
+          </p:cNvPicPr>
+          <p:nvPr/>
+        </p:nvPicPr>
+        <p:blipFill>
+          <a:blip r:embed="rId2"/>
+          <a:stretch>
+            <a:fillRect/>
+          </a:stretch>
+        </p:blipFill>
+        <p:spPr>
+          <a:xfrm>
+            <a:off x="358406" y="311727"/>
+            <a:ext cx="5175986" cy="6234545"/>
+          </a:xfrm>
+          <a:prstGeom prst="rect">
+            <a:avLst/>
+          </a:prstGeom>
+          <a:ln>
+            <a:noFill/>
+          </a:ln>
+          <a:effectLst>
+            <a:outerShdw blurRad="292100" dist="139700" dir="2700000" algn="tl" rotWithShape="0">
+              <a:srgbClr val="333333">
+                <a:alpha val="65000"/>
+              </a:srgbClr>
+            </a:outerShdw>
+          </a:effectLst>
+        </p:spPr>
+      </p:pic>
+      <p:pic>
+        <p:nvPicPr>
+          <p:cNvPr id="3" name="図 2">
+            <a:extLst>
+              <a:ext uri="{FF2B5EF4-FFF2-40B4-BE49-F238E27FC236}">
+                <a16:creationId xmlns:a16="http://schemas.microsoft.com/office/drawing/2014/main" id="{F1B4ED34-6B06-7AE3-DA8F-C98FE4AF132F}"/>
+              </a:ext>
+            </a:extLst>
+          </p:cNvPr>
+          <p:cNvPicPr>
+            <a:picLocks noChangeAspect="1"/>
+          </p:cNvPicPr>
+          <p:nvPr/>
+        </p:nvPicPr>
+        <p:blipFill>
+          <a:blip r:embed="rId3"/>
+          <a:stretch>
+            <a:fillRect/>
+          </a:stretch>
+        </p:blipFill>
+        <p:spPr>
+          <a:xfrm>
+            <a:off x="6192127" y="311727"/>
+            <a:ext cx="5248991" cy="6234545"/>
+          </a:xfrm>
+          <a:prstGeom prst="rect">
+            <a:avLst/>
+          </a:prstGeom>
+          <a:ln>
+            <a:noFill/>
+          </a:ln>
+          <a:effectLst>
+            <a:outerShdw blurRad="292100" dist="139700" dir="2700000" algn="tl" rotWithShape="0">
+              <a:srgbClr val="333333">
+                <a:alpha val="65000"/>
+              </a:srgbClr>
+            </a:outerShdw>
+          </a:effectLst>
+        </p:spPr>
+      </p:pic>
+    </p:spTree>
+    <p:extLst>
+      <p:ext uri="{BB962C8B-B14F-4D97-AF65-F5344CB8AC3E}">
+        <p14:creationId xmlns:p14="http://schemas.microsoft.com/office/powerpoint/2010/main" val="1939212727"/>
       </p:ext>
     </p:extLst>
   </p:cSld>
